--- a/slides/Azure App Service.pptx
+++ b/slides/Azure App Service.pptx
@@ -2659,21 +2659,8 @@
             </a:pPr>
             <a:r>
               <a:rPr lang="en-US" dirty="0"/>
-              <a:t>Execute quick start at </a:t>
+              <a:t>Execute quick start at https://docs.microsoft.com/en-us/azure/app-service/quickstart-dotnetcore?tabs=net60&amp;pivots=development-environment-vscode</a:t>
             </a:r>
-            <a:r>
-              <a:rPr lang="en-US" dirty="0" err="1">
-                <a:hlinkClick r:id="rId3"/>
-              </a:rPr>
-              <a:t>Quickstart</a:t>
-            </a:r>
-            <a:r>
-              <a:rPr lang="en-US" dirty="0">
-                <a:hlinkClick r:id="rId3"/>
-              </a:rPr>
-              <a:t>: Deploy an ASP.NET web app - Azure App Service | Microsoft Docs</a:t>
-            </a:r>
-            <a:endParaRPr lang="en-US" dirty="0"/>
           </a:p>
           <a:p>
             <a:pPr marL="0" lvl="0" indent="0" algn="l" rtl="0">
@@ -3044,15 +3031,8 @@
             </a:pPr>
             <a:r>
               <a:rPr lang="en-US" dirty="0"/>
-              <a:t>Execute </a:t>
+              <a:t>Execute https://docs.microsoft.com/en-us/azure/app-service/app-service-web-tutorial-rest-api</a:t>
             </a:r>
-            <a:r>
-              <a:rPr lang="en-US" dirty="0">
-                <a:hlinkClick r:id="rId3"/>
-              </a:rPr>
-              <a:t>Tutorial: Host RESTful API with CORS - Azure App Service | Microsoft Docs</a:t>
-            </a:r>
-            <a:endParaRPr lang="en-US" dirty="0"/>
           </a:p>
         </p:txBody>
       </p:sp>
@@ -3309,29 +3289,9 @@
               <a:buNone/>
             </a:pPr>
             <a:r>
-              <a:rPr lang="en-US" dirty="0">
-                <a:hlinkClick r:id="rId3"/>
-              </a:rPr>
-              <a:t>Configure CI/CD with GitHub Actions - Azure App Service | Microsoft Docs</a:t>
+              <a:rPr lang="en-US" dirty="0"/>
+              <a:t>https://docs.microsoft.com/en-us/azure/app-service/deploy-github-actions?tabs=applevel</a:t>
             </a:r>
-            <a:endParaRPr lang="en-US" dirty="0"/>
-          </a:p>
-          <a:p>
-            <a:pPr marL="0" lvl="0" indent="0" algn="l" rtl="0">
-              <a:spcBef>
-                <a:spcPts val="0"/>
-              </a:spcBef>
-              <a:spcAft>
-                <a:spcPts val="0"/>
-              </a:spcAft>
-              <a:buClr>
-                <a:schemeClr val="dk1"/>
-              </a:buClr>
-              <a:buSzPts val="1400"/>
-              <a:buFont typeface="Arial"/>
-              <a:buNone/>
-            </a:pPr>
-            <a:endParaRPr lang="en-US" dirty="0"/>
           </a:p>
           <a:p>
             <a:pPr marL="0" lvl="0" indent="0" algn="l" rtl="0">
@@ -4137,12 +4097,9 @@
               <a:buNone/>
             </a:pPr>
             <a:r>
-              <a:rPr lang="en-US" dirty="0">
-                <a:hlinkClick r:id="rId3"/>
-              </a:rPr>
-              <a:t>Set up staging environments - Azure App Service | Microsoft Docs</a:t>
+              <a:rPr lang="en-US" dirty="0"/>
+              <a:t>https://docs.microsoft.com/en-us/azure/app-service/deploy-staging-slots</a:t>
             </a:r>
-            <a:endParaRPr lang="en-US" dirty="0"/>
           </a:p>
           <a:p>
             <a:pPr marL="0" lvl="0" indent="0" algn="l" rtl="0">
@@ -4552,12 +4509,9 @@
               <a:buNone/>
             </a:pPr>
             <a:r>
-              <a:rPr lang="en-US" dirty="0">
-                <a:hlinkClick r:id="rId3"/>
-              </a:rPr>
-              <a:t>Tutorial: Linux Java app with MongoDB - Azure App Service | Microsoft Docs</a:t>
+              <a:rPr lang="en-US" dirty="0"/>
+              <a:t>https://docs.microsoft.com/en-us/azure/app-service/tutorial-java-spring-cosmosdb</a:t>
             </a:r>
-            <a:endParaRPr lang="en-US" dirty="0"/>
           </a:p>
           <a:p>
             <a:pPr marL="0" lvl="0" indent="0" algn="l" rtl="0">
@@ -5147,28 +5101,12 @@
               <a:buNone/>
             </a:pPr>
             <a:r>
-              <a:rPr lang="en-US" dirty="0">
-                <a:hlinkClick r:id="rId3"/>
-              </a:rPr>
-              <a:t>Secure a custom DNS with a TLS/SSL binding - Azure App Service | Microsoft Docs</a:t>
+              <a:rPr lang="en-US" dirty="0"/>
+              <a:t>https://docs.microsoft.com/en-us/azure/app-service/configure-ssl-bindings</a:t>
             </a:r>
-            <a:endParaRPr lang="en-US" dirty="0"/>
-          </a:p>
-          <a:p>
-            <a:pPr marL="0" lvl="0" indent="0" algn="l" rtl="0">
-              <a:spcBef>
-                <a:spcPts val="0"/>
-              </a:spcBef>
-              <a:spcAft>
-                <a:spcPts val="0"/>
-              </a:spcAft>
-              <a:buClr>
-                <a:schemeClr val="dk1"/>
-              </a:buClr>
-              <a:buSzPts val="1400"/>
-              <a:buFont typeface="Arial"/>
-              <a:buNone/>
-            </a:pPr>
+            <a:br>
+              <a:rPr lang="en-US" dirty="0"/>
+            </a:br>
             <a:endParaRPr lang="en-US" dirty="0"/>
           </a:p>
           <a:p>
@@ -5446,12 +5384,9 @@
               <a:buNone/>
             </a:pPr>
             <a:r>
-              <a:rPr lang="en-US" dirty="0">
-                <a:hlinkClick r:id="rId3"/>
-              </a:rPr>
-              <a:t>Tutorial: Isolate back-end communication with Virtual Network integration - Azure App Service | Microsoft Docs</a:t>
+              <a:rPr lang="en-US" dirty="0"/>
+              <a:t>https://docs.microsoft.com/en-us/azure/app-service/tutorial-networking-isolate-vnet</a:t>
             </a:r>
-            <a:endParaRPr lang="en-US" dirty="0"/>
           </a:p>
           <a:p>
             <a:pPr marL="0" lvl="0" indent="0" algn="l" rtl="0">
@@ -5617,12 +5552,9 @@
               <a:buNone/>
             </a:pPr>
             <a:r>
-              <a:rPr lang="en-US" dirty="0">
-                <a:hlinkClick r:id="rId3"/>
-              </a:rPr>
-              <a:t>QuickStart: Create a static HTML web app - Azure App Service | Microsoft Docs</a:t>
+              <a:rPr lang="en-US" dirty="0"/>
+              <a:t>https://docs.microsoft.com/en-us/azure/app-service/quickstart-html</a:t>
             </a:r>
-            <a:endParaRPr lang="en-US" dirty="0"/>
           </a:p>
           <a:p>
             <a:pPr marL="0" lvl="0" indent="0" algn="l" rtl="0">
@@ -5788,12 +5720,9 @@
               <a:buNone/>
             </a:pPr>
             <a:r>
-              <a:rPr lang="en-US" dirty="0">
-                <a:hlinkClick r:id="rId3"/>
-              </a:rPr>
-              <a:t>Tutorial: Build and run a custom image in Azure App Service - Azure App Service | Microsoft Docs</a:t>
+              <a:rPr lang="en-US" dirty="0"/>
+              <a:t>https://docs.microsoft.com/en-us/azure/app-service/tutorial-custom-container?pivots=container-linux</a:t>
             </a:r>
-            <a:endParaRPr lang="en-US" dirty="0"/>
           </a:p>
           <a:p>
             <a:pPr marL="0" lvl="0" indent="0" algn="l" rtl="0">

--- a/slides/Azure App Service.pptx
+++ b/slides/Azure App Service.pptx
@@ -5,7 +5,7 @@
     <p:sldMasterId id="2147483686" r:id="rId1"/>
   </p:sldMasterIdLst>
   <p:notesMasterIdLst>
-    <p:notesMasterId r:id="rId54"/>
+    <p:notesMasterId r:id="rId53"/>
   </p:notesMasterIdLst>
   <p:sldIdLst>
     <p:sldId id="259" r:id="rId2"/>
@@ -31,73 +31,72 @@
     <p:sldId id="769" r:id="rId22"/>
     <p:sldId id="770" r:id="rId23"/>
     <p:sldId id="771" r:id="rId24"/>
-    <p:sldId id="793" r:id="rId25"/>
-    <p:sldId id="772" r:id="rId26"/>
-    <p:sldId id="781" r:id="rId27"/>
-    <p:sldId id="787" r:id="rId28"/>
-    <p:sldId id="773" r:id="rId29"/>
-    <p:sldId id="782" r:id="rId30"/>
-    <p:sldId id="783" r:id="rId31"/>
-    <p:sldId id="784" r:id="rId32"/>
-    <p:sldId id="785" r:id="rId33"/>
-    <p:sldId id="786" r:id="rId34"/>
-    <p:sldId id="788" r:id="rId35"/>
-    <p:sldId id="774" r:id="rId36"/>
-    <p:sldId id="775" r:id="rId37"/>
-    <p:sldId id="790" r:id="rId38"/>
-    <p:sldId id="776" r:id="rId39"/>
-    <p:sldId id="789" r:id="rId40"/>
-    <p:sldId id="791" r:id="rId41"/>
-    <p:sldId id="777" r:id="rId42"/>
-    <p:sldId id="778" r:id="rId43"/>
-    <p:sldId id="792" r:id="rId44"/>
-    <p:sldId id="794" r:id="rId45"/>
-    <p:sldId id="779" r:id="rId46"/>
-    <p:sldId id="795" r:id="rId47"/>
-    <p:sldId id="796" r:id="rId48"/>
-    <p:sldId id="780" r:id="rId49"/>
-    <p:sldId id="797" r:id="rId50"/>
-    <p:sldId id="798" r:id="rId51"/>
-    <p:sldId id="799" r:id="rId52"/>
-    <p:sldId id="269" r:id="rId53"/>
+    <p:sldId id="772" r:id="rId25"/>
+    <p:sldId id="781" r:id="rId26"/>
+    <p:sldId id="787" r:id="rId27"/>
+    <p:sldId id="773" r:id="rId28"/>
+    <p:sldId id="782" r:id="rId29"/>
+    <p:sldId id="783" r:id="rId30"/>
+    <p:sldId id="784" r:id="rId31"/>
+    <p:sldId id="785" r:id="rId32"/>
+    <p:sldId id="786" r:id="rId33"/>
+    <p:sldId id="788" r:id="rId34"/>
+    <p:sldId id="774" r:id="rId35"/>
+    <p:sldId id="775" r:id="rId36"/>
+    <p:sldId id="790" r:id="rId37"/>
+    <p:sldId id="776" r:id="rId38"/>
+    <p:sldId id="789" r:id="rId39"/>
+    <p:sldId id="791" r:id="rId40"/>
+    <p:sldId id="777" r:id="rId41"/>
+    <p:sldId id="778" r:id="rId42"/>
+    <p:sldId id="792" r:id="rId43"/>
+    <p:sldId id="794" r:id="rId44"/>
+    <p:sldId id="779" r:id="rId45"/>
+    <p:sldId id="795" r:id="rId46"/>
+    <p:sldId id="796" r:id="rId47"/>
+    <p:sldId id="780" r:id="rId48"/>
+    <p:sldId id="797" r:id="rId49"/>
+    <p:sldId id="798" r:id="rId50"/>
+    <p:sldId id="799" r:id="rId51"/>
+    <p:sldId id="269" r:id="rId52"/>
   </p:sldIdLst>
   <p:sldSz cx="9144000" cy="5143500" type="screen16x9"/>
   <p:notesSz cx="6858000" cy="9144000"/>
   <p:embeddedFontLst>
     <p:embeddedFont>
       <p:font typeface="Calibri" panose="020F0502020204030204" pitchFamily="34" charset="0"/>
-      <p:regular r:id="rId55"/>
-      <p:bold r:id="rId56"/>
-      <p:italic r:id="rId57"/>
-      <p:boldItalic r:id="rId58"/>
+      <p:regular r:id="rId54"/>
+      <p:bold r:id="rId55"/>
+      <p:italic r:id="rId56"/>
+      <p:boldItalic r:id="rId57"/>
     </p:embeddedFont>
     <p:embeddedFont>
       <p:font typeface="Helvetica Neue" panose="020B0604020202020204" charset="0"/>
-      <p:regular r:id="rId59"/>
-      <p:bold r:id="rId60"/>
-      <p:italic r:id="rId61"/>
-      <p:boldItalic r:id="rId62"/>
+      <p:regular r:id="rId58"/>
+      <p:bold r:id="rId59"/>
+      <p:italic r:id="rId60"/>
+      <p:boldItalic r:id="rId61"/>
     </p:embeddedFont>
     <p:embeddedFont>
       <p:font typeface="Helvetica Neue Light" panose="020B0604020202020204" charset="0"/>
-      <p:regular r:id="rId63"/>
-      <p:bold r:id="rId64"/>
-      <p:italic r:id="rId65"/>
-      <p:boldItalic r:id="rId66"/>
+      <p:regular r:id="rId62"/>
+      <p:bold r:id="rId63"/>
+      <p:italic r:id="rId64"/>
+      <p:boldItalic r:id="rId65"/>
     </p:embeddedFont>
     <p:embeddedFont>
       <p:font typeface="Montserrat" panose="00000500000000000000" pitchFamily="2" charset="0"/>
-      <p:regular r:id="rId67"/>
-      <p:bold r:id="rId68"/>
-      <p:italic r:id="rId69"/>
-      <p:boldItalic r:id="rId70"/>
+      <p:regular r:id="rId66"/>
+      <p:bold r:id="rId67"/>
+      <p:italic r:id="rId68"/>
+      <p:boldItalic r:id="rId69"/>
     </p:embeddedFont>
     <p:embeddedFont>
       <p:font typeface="Montserrat Medium" panose="00000600000000000000" pitchFamily="2" charset="0"/>
-      <p:regular r:id="rId71"/>
-      <p:bold r:id="rId72"/>
-      <p:italic r:id="rId73"/>
-      <p:boldItalic r:id="rId74"/>
+      <p:regular r:id="rId70"/>
+      <p:bold r:id="rId71"/>
+      <p:italic r:id="rId72"/>
+      <p:boldItalic r:id="rId73"/>
     </p:embeddedFont>
   </p:embeddedFontLst>
   <p:defaultTextStyle>
@@ -3029,10 +3028,7 @@
               <a:buFont typeface="Arial"/>
               <a:buNone/>
             </a:pPr>
-            <a:r>
-              <a:rPr lang="en-US" dirty="0"/>
-              <a:t>Execute https://docs.microsoft.com/en-us/azure/app-service/app-service-web-tutorial-rest-api</a:t>
-            </a:r>
+            <a:endParaRPr lang="en-US" dirty="0"/>
           </a:p>
         </p:txBody>
       </p:sp>
@@ -3090,7 +3086,7 @@
     </p:spTree>
     <p:extLst>
       <p:ext uri="{BB962C8B-B14F-4D97-AF65-F5344CB8AC3E}">
-        <p14:creationId xmlns:p14="http://schemas.microsoft.com/office/powerpoint/2010/main" val="3935859615"/>
+        <p14:creationId xmlns:p14="http://schemas.microsoft.com/office/powerpoint/2010/main" val="2468338870"/>
       </p:ext>
     </p:extLst>
   </p:cSld>
@@ -3160,7 +3156,47 @@
               <a:buFont typeface="Arial"/>
               <a:buNone/>
             </a:pPr>
+            <a:r>
+              <a:rPr lang="en-US" dirty="0"/>
+              <a:t>https://docs.microsoft.com/en-us/azure/app-service/deploy-github-actions?tabs=applevel</a:t>
+            </a:r>
+          </a:p>
+          <a:p>
+            <a:pPr marL="0" lvl="0" indent="0" algn="l" rtl="0">
+              <a:spcBef>
+                <a:spcPts val="0"/>
+              </a:spcBef>
+              <a:spcAft>
+                <a:spcPts val="0"/>
+              </a:spcAft>
+              <a:buClr>
+                <a:schemeClr val="dk1"/>
+              </a:buClr>
+              <a:buSzPts val="1400"/>
+              <a:buFont typeface="Arial"/>
+              <a:buNone/>
+            </a:pPr>
             <a:endParaRPr lang="en-US" dirty="0"/>
+          </a:p>
+          <a:p>
+            <a:pPr marL="0" lvl="0" indent="0" algn="l" rtl="0">
+              <a:spcBef>
+                <a:spcPts val="0"/>
+              </a:spcBef>
+              <a:spcAft>
+                <a:spcPts val="0"/>
+              </a:spcAft>
+              <a:buClr>
+                <a:schemeClr val="dk1"/>
+              </a:buClr>
+              <a:buSzPts val="1400"/>
+              <a:buFont typeface="Arial"/>
+              <a:buNone/>
+            </a:pPr>
+            <a:r>
+              <a:rPr lang="en-US" dirty="0"/>
+              <a:t>Walk through above – demo connectivity to GitHub Actions, show secret, etc. Demonstrate check-in and automatic execution. Build on simple web app.</a:t>
+            </a:r>
           </a:p>
         </p:txBody>
       </p:sp>
@@ -3218,7 +3254,7 @@
     </p:spTree>
     <p:extLst>
       <p:ext uri="{BB962C8B-B14F-4D97-AF65-F5344CB8AC3E}">
-        <p14:creationId xmlns:p14="http://schemas.microsoft.com/office/powerpoint/2010/main" val="2468338870"/>
+        <p14:creationId xmlns:p14="http://schemas.microsoft.com/office/powerpoint/2010/main" val="3955531607"/>
       </p:ext>
     </p:extLst>
   </p:cSld>
@@ -3288,47 +3324,7 @@
               <a:buFont typeface="Arial"/>
               <a:buNone/>
             </a:pPr>
-            <a:r>
-              <a:rPr lang="en-US" dirty="0"/>
-              <a:t>https://docs.microsoft.com/en-us/azure/app-service/deploy-github-actions?tabs=applevel</a:t>
-            </a:r>
-          </a:p>
-          <a:p>
-            <a:pPr marL="0" lvl="0" indent="0" algn="l" rtl="0">
-              <a:spcBef>
-                <a:spcPts val="0"/>
-              </a:spcBef>
-              <a:spcAft>
-                <a:spcPts val="0"/>
-              </a:spcAft>
-              <a:buClr>
-                <a:schemeClr val="dk1"/>
-              </a:buClr>
-              <a:buSzPts val="1400"/>
-              <a:buFont typeface="Arial"/>
-              <a:buNone/>
-            </a:pPr>
             <a:endParaRPr lang="en-US" dirty="0"/>
-          </a:p>
-          <a:p>
-            <a:pPr marL="0" lvl="0" indent="0" algn="l" rtl="0">
-              <a:spcBef>
-                <a:spcPts val="0"/>
-              </a:spcBef>
-              <a:spcAft>
-                <a:spcPts val="0"/>
-              </a:spcAft>
-              <a:buClr>
-                <a:schemeClr val="dk1"/>
-              </a:buClr>
-              <a:buSzPts val="1400"/>
-              <a:buFont typeface="Arial"/>
-              <a:buNone/>
-            </a:pPr>
-            <a:r>
-              <a:rPr lang="en-US" dirty="0"/>
-              <a:t>Walk through above – demo connectivity to GitHub Actions, show secret, etc. Demonstrate check-in and automatic execution. Build on simple web app.</a:t>
-            </a:r>
           </a:p>
         </p:txBody>
       </p:sp>
@@ -3386,7 +3382,7 @@
     </p:spTree>
     <p:extLst>
       <p:ext uri="{BB962C8B-B14F-4D97-AF65-F5344CB8AC3E}">
-        <p14:creationId xmlns:p14="http://schemas.microsoft.com/office/powerpoint/2010/main" val="3955531607"/>
+        <p14:creationId xmlns:p14="http://schemas.microsoft.com/office/powerpoint/2010/main" val="4103274766"/>
       </p:ext>
     </p:extLst>
   </p:cSld>
@@ -3514,7 +3510,7 @@
     </p:spTree>
     <p:extLst>
       <p:ext uri="{BB962C8B-B14F-4D97-AF65-F5344CB8AC3E}">
-        <p14:creationId xmlns:p14="http://schemas.microsoft.com/office/powerpoint/2010/main" val="4103274766"/>
+        <p14:creationId xmlns:p14="http://schemas.microsoft.com/office/powerpoint/2010/main" val="1183828420"/>
       </p:ext>
     </p:extLst>
   </p:cSld>
@@ -3642,7 +3638,7 @@
     </p:spTree>
     <p:extLst>
       <p:ext uri="{BB962C8B-B14F-4D97-AF65-F5344CB8AC3E}">
-        <p14:creationId xmlns:p14="http://schemas.microsoft.com/office/powerpoint/2010/main" val="1183828420"/>
+        <p14:creationId xmlns:p14="http://schemas.microsoft.com/office/powerpoint/2010/main" val="1101922954"/>
       </p:ext>
     </p:extLst>
   </p:cSld>
@@ -3770,7 +3766,7 @@
     </p:spTree>
     <p:extLst>
       <p:ext uri="{BB962C8B-B14F-4D97-AF65-F5344CB8AC3E}">
-        <p14:creationId xmlns:p14="http://schemas.microsoft.com/office/powerpoint/2010/main" val="1101922954"/>
+        <p14:creationId xmlns:p14="http://schemas.microsoft.com/office/powerpoint/2010/main" val="2478498231"/>
       </p:ext>
     </p:extLst>
   </p:cSld>
@@ -3898,7 +3894,7 @@
     </p:spTree>
     <p:extLst>
       <p:ext uri="{BB962C8B-B14F-4D97-AF65-F5344CB8AC3E}">
-        <p14:creationId xmlns:p14="http://schemas.microsoft.com/office/powerpoint/2010/main" val="2478498231"/>
+        <p14:creationId xmlns:p14="http://schemas.microsoft.com/office/powerpoint/2010/main" val="4184407432"/>
       </p:ext>
     </p:extLst>
   </p:cSld>
@@ -3968,6 +3964,53 @@
               <a:buFont typeface="Arial"/>
               <a:buNone/>
             </a:pPr>
+            <a:r>
+              <a:rPr lang="en-US" dirty="0"/>
+              <a:t>https://docs.microsoft.com/en-us/azure/app-service/deploy-staging-slots</a:t>
+            </a:r>
+          </a:p>
+          <a:p>
+            <a:pPr marL="0" lvl="0" indent="0" algn="l" rtl="0">
+              <a:spcBef>
+                <a:spcPts val="0"/>
+              </a:spcBef>
+              <a:spcAft>
+                <a:spcPts val="0"/>
+              </a:spcAft>
+              <a:buClr>
+                <a:schemeClr val="dk1"/>
+              </a:buClr>
+              <a:buSzPts val="1400"/>
+              <a:buFont typeface="Arial"/>
+              <a:buNone/>
+            </a:pPr>
+            <a:endParaRPr lang="en-US" dirty="0"/>
+          </a:p>
+          <a:p>
+            <a:pPr marL="0" lvl="0" indent="0" algn="l" rtl="0">
+              <a:spcBef>
+                <a:spcPts val="0"/>
+              </a:spcBef>
+              <a:spcAft>
+                <a:spcPts val="0"/>
+              </a:spcAft>
+              <a:buClr>
+                <a:schemeClr val="dk1"/>
+              </a:buClr>
+              <a:buSzPts val="1400"/>
+              <a:buFont typeface="Arial"/>
+              <a:buNone/>
+            </a:pPr>
+            <a:r>
+              <a:rPr lang="en-US" dirty="0"/>
+              <a:t>Walk through above – map slot to a new branch and demo auto push / split traffic in different ways </a:t>
+            </a:r>
+            <a:r>
+              <a:rPr lang="en-US" dirty="0">
+                <a:sym typeface="Wingdings" panose="05000000000000000000" pitchFamily="2" charset="2"/>
+              </a:rPr>
+              <a:t> then show swap. Build on simple web app.</a:t>
+            </a:r>
             <a:endParaRPr lang="en-US" dirty="0"/>
           </a:p>
         </p:txBody>
@@ -4026,7 +4069,7 @@
     </p:spTree>
     <p:extLst>
       <p:ext uri="{BB962C8B-B14F-4D97-AF65-F5344CB8AC3E}">
-        <p14:creationId xmlns:p14="http://schemas.microsoft.com/office/powerpoint/2010/main" val="4184407432"/>
+        <p14:creationId xmlns:p14="http://schemas.microsoft.com/office/powerpoint/2010/main" val="4245595142"/>
       </p:ext>
     </p:extLst>
   </p:cSld>
@@ -4037,11 +4080,11 @@
 </file>
 
 <file path=ppt/notesSlides/notesSlide29.xml><?xml version="1.0" encoding="utf-8"?>
-<p:notes xmlns:a="http://schemas.openxmlformats.org/drawingml/2006/main" xmlns:r="http://schemas.openxmlformats.org/officeDocument/2006/relationships" xmlns:p="http://schemas.openxmlformats.org/presentationml/2006/main" showMasterSp="0" showMasterPhAnim="0">
+<p:notes xmlns:a="http://schemas.openxmlformats.org/drawingml/2006/main" xmlns:r="http://schemas.openxmlformats.org/officeDocument/2006/relationships" xmlns:p="http://schemas.openxmlformats.org/presentationml/2006/main">
   <p:cSld>
     <p:spTree>
       <p:nvGrpSpPr>
-        <p:cNvPr id="1" name="Shape 153"/>
+        <p:cNvPr id="1" name=""/>
         <p:cNvGrpSpPr/>
         <p:nvPr/>
       </p:nvGrpSpPr>
@@ -4055,153 +4098,47 @@
       </p:grpSpPr>
       <p:sp>
         <p:nvSpPr>
-          <p:cNvPr id="154" name="Google Shape;154;g7f7681885d_1_26:notes"/>
-          <p:cNvSpPr txBox="1">
+          <p:cNvPr id="2" name="Slide Image Placeholder 1"/>
+          <p:cNvSpPr>
+            <a:spLocks noGrp="1" noRot="1" noChangeAspect="1"/>
+          </p:cNvSpPr>
+          <p:nvPr>
+            <p:ph type="sldImg"/>
+          </p:nvPr>
+        </p:nvSpPr>
+        <p:spPr>
+          <a:xfrm>
+            <a:off x="381000" y="685800"/>
+            <a:ext cx="6096000" cy="3429000"/>
+          </a:xfrm>
+        </p:spPr>
+      </p:sp>
+      <p:sp>
+        <p:nvSpPr>
+          <p:cNvPr id="3" name="Notes Placeholder 2"/>
+          <p:cNvSpPr>
             <a:spLocks noGrp="1"/>
           </p:cNvSpPr>
           <p:nvPr>
             <p:ph type="body" idx="1"/>
           </p:nvPr>
         </p:nvSpPr>
-        <p:spPr>
-          <a:xfrm>
-            <a:off x="685800" y="4400550"/>
-            <a:ext cx="5486400" cy="3600600"/>
-          </a:xfrm>
-          <a:prstGeom prst="rect">
-            <a:avLst/>
-          </a:prstGeom>
-          <a:noFill/>
-          <a:ln>
-            <a:noFill/>
-          </a:ln>
-        </p:spPr>
+        <p:spPr/>
         <p:txBody>
-          <a:bodyPr spcFirstLastPara="1" wrap="square" lIns="91425" tIns="45700" rIns="91425" bIns="45700" anchor="t" anchorCtr="0">
-            <a:noAutofit/>
-          </a:bodyPr>
+          <a:bodyPr/>
           <a:lstStyle/>
           <a:p>
-            <a:pPr marL="0" lvl="0" indent="0" algn="l" rtl="0">
-              <a:spcBef>
-                <a:spcPts val="0"/>
-              </a:spcBef>
-              <a:spcAft>
-                <a:spcPts val="0"/>
-              </a:spcAft>
-              <a:buClr>
-                <a:schemeClr val="dk1"/>
-              </a:buClr>
-              <a:buSzPts val="1400"/>
-              <a:buFont typeface="Arial"/>
-              <a:buNone/>
-            </a:pPr>
-            <a:r>
-              <a:rPr lang="en-US" dirty="0"/>
-              <a:t>https://docs.microsoft.com/en-us/azure/app-service/deploy-staging-slots</a:t>
-            </a:r>
-          </a:p>
-          <a:p>
-            <a:pPr marL="0" lvl="0" indent="0" algn="l" rtl="0">
-              <a:spcBef>
-                <a:spcPts val="0"/>
-              </a:spcBef>
-              <a:spcAft>
-                <a:spcPts val="0"/>
-              </a:spcAft>
-              <a:buClr>
-                <a:schemeClr val="dk1"/>
-              </a:buClr>
-              <a:buSzPts val="1400"/>
-              <a:buFont typeface="Arial"/>
+            <a:pPr marL="158750" indent="0">
               <a:buNone/>
             </a:pPr>
             <a:endParaRPr lang="en-US" dirty="0"/>
           </a:p>
-          <a:p>
-            <a:pPr marL="0" lvl="0" indent="0" algn="l" rtl="0">
-              <a:spcBef>
-                <a:spcPts val="0"/>
-              </a:spcBef>
-              <a:spcAft>
-                <a:spcPts val="0"/>
-              </a:spcAft>
-              <a:buClr>
-                <a:schemeClr val="dk1"/>
-              </a:buClr>
-              <a:buSzPts val="1400"/>
-              <a:buFont typeface="Arial"/>
-              <a:buNone/>
-            </a:pPr>
-            <a:r>
-              <a:rPr lang="en-US" dirty="0"/>
-              <a:t>Walk through above – map slot to a new branch and demo auto push / split traffic in different ways </a:t>
-            </a:r>
-            <a:r>
-              <a:rPr lang="en-US" dirty="0">
-                <a:sym typeface="Wingdings" panose="05000000000000000000" pitchFamily="2" charset="2"/>
-              </a:rPr>
-              <a:t> then show swap. Build on simple web app.</a:t>
-            </a:r>
-            <a:endParaRPr lang="en-US" dirty="0"/>
-          </a:p>
         </p:txBody>
-      </p:sp>
-      <p:sp>
-        <p:nvSpPr>
-          <p:cNvPr id="155" name="Google Shape;155;g7f7681885d_1_26:notes"/>
-          <p:cNvSpPr>
-            <a:spLocks noGrp="1" noRot="1" noChangeAspect="1"/>
-          </p:cNvSpPr>
-          <p:nvPr>
-            <p:ph type="sldImg" idx="2"/>
-          </p:nvPr>
-        </p:nvSpPr>
-        <p:spPr>
-          <a:xfrm>
-            <a:off x="685800" y="1143000"/>
-            <a:ext cx="5486400" cy="3086100"/>
-          </a:xfrm>
-          <a:custGeom>
-            <a:avLst/>
-            <a:gdLst/>
-            <a:ahLst/>
-            <a:cxnLst/>
-            <a:rect l="l" t="t" r="r" b="b"/>
-            <a:pathLst>
-              <a:path w="120000" h="120000" extrusionOk="0">
-                <a:moveTo>
-                  <a:pt x="0" y="0"/>
-                </a:moveTo>
-                <a:lnTo>
-                  <a:pt x="120000" y="0"/>
-                </a:lnTo>
-                <a:lnTo>
-                  <a:pt x="120000" y="120000"/>
-                </a:lnTo>
-                <a:lnTo>
-                  <a:pt x="0" y="120000"/>
-                </a:lnTo>
-                <a:close/>
-              </a:path>
-            </a:pathLst>
-          </a:custGeom>
-          <a:noFill/>
-          <a:ln w="12700" cap="flat" cmpd="sng">
-            <a:solidFill>
-              <a:srgbClr val="000000"/>
-            </a:solidFill>
-            <a:prstDash val="solid"/>
-            <a:round/>
-            <a:headEnd type="none" w="sm" len="sm"/>
-            <a:tailEnd type="none" w="sm" len="sm"/>
-          </a:ln>
-        </p:spPr>
       </p:sp>
     </p:spTree>
     <p:extLst>
       <p:ext uri="{BB962C8B-B14F-4D97-AF65-F5344CB8AC3E}">
-        <p14:creationId xmlns:p14="http://schemas.microsoft.com/office/powerpoint/2010/main" val="4245595142"/>
+        <p14:creationId xmlns:p14="http://schemas.microsoft.com/office/powerpoint/2010/main" val="4142309423"/>
       </p:ext>
     </p:extLst>
   </p:cSld>
@@ -4380,11 +4317,11 @@
 </file>
 
 <file path=ppt/notesSlides/notesSlide30.xml><?xml version="1.0" encoding="utf-8"?>
-<p:notes xmlns:a="http://schemas.openxmlformats.org/drawingml/2006/main" xmlns:r="http://schemas.openxmlformats.org/officeDocument/2006/relationships" xmlns:p="http://schemas.openxmlformats.org/presentationml/2006/main">
+<p:notes xmlns:a="http://schemas.openxmlformats.org/drawingml/2006/main" xmlns:r="http://schemas.openxmlformats.org/officeDocument/2006/relationships" xmlns:p="http://schemas.openxmlformats.org/presentationml/2006/main" showMasterSp="0" showMasterPhAnim="0">
   <p:cSld>
     <p:spTree>
       <p:nvGrpSpPr>
-        <p:cNvPr id="1" name=""/>
+        <p:cNvPr id="1" name="Shape 153"/>
         <p:cNvGrpSpPr/>
         <p:nvPr/>
       </p:nvGrpSpPr>
@@ -4398,47 +4335,146 @@
       </p:grpSpPr>
       <p:sp>
         <p:nvSpPr>
-          <p:cNvPr id="2" name="Slide Image Placeholder 1"/>
-          <p:cNvSpPr>
-            <a:spLocks noGrp="1" noRot="1" noChangeAspect="1"/>
-          </p:cNvSpPr>
-          <p:nvPr>
-            <p:ph type="sldImg"/>
-          </p:nvPr>
-        </p:nvSpPr>
-        <p:spPr>
-          <a:xfrm>
-            <a:off x="381000" y="685800"/>
-            <a:ext cx="6096000" cy="3429000"/>
-          </a:xfrm>
-        </p:spPr>
-      </p:sp>
-      <p:sp>
-        <p:nvSpPr>
-          <p:cNvPr id="3" name="Notes Placeholder 2"/>
-          <p:cNvSpPr>
+          <p:cNvPr id="154" name="Google Shape;154;g7f7681885d_1_26:notes"/>
+          <p:cNvSpPr txBox="1">
             <a:spLocks noGrp="1"/>
           </p:cNvSpPr>
           <p:nvPr>
             <p:ph type="body" idx="1"/>
           </p:nvPr>
         </p:nvSpPr>
-        <p:spPr/>
+        <p:spPr>
+          <a:xfrm>
+            <a:off x="685800" y="4400550"/>
+            <a:ext cx="5486400" cy="3600600"/>
+          </a:xfrm>
+          <a:prstGeom prst="rect">
+            <a:avLst/>
+          </a:prstGeom>
+          <a:noFill/>
+          <a:ln>
+            <a:noFill/>
+          </a:ln>
+        </p:spPr>
         <p:txBody>
-          <a:bodyPr/>
+          <a:bodyPr spcFirstLastPara="1" wrap="square" lIns="91425" tIns="45700" rIns="91425" bIns="45700" anchor="t" anchorCtr="0">
+            <a:noAutofit/>
+          </a:bodyPr>
           <a:lstStyle/>
           <a:p>
-            <a:pPr marL="158750" indent="0">
+            <a:pPr marL="0" lvl="0" indent="0" algn="l" rtl="0">
+              <a:spcBef>
+                <a:spcPts val="0"/>
+              </a:spcBef>
+              <a:spcAft>
+                <a:spcPts val="0"/>
+              </a:spcAft>
+              <a:buClr>
+                <a:schemeClr val="dk1"/>
+              </a:buClr>
+              <a:buSzPts val="1400"/>
+              <a:buFont typeface="Arial"/>
+              <a:buNone/>
+            </a:pPr>
+            <a:r>
+              <a:rPr lang="en-US" dirty="0"/>
+              <a:t>https://docs.microsoft.com/en-us/azure/app-service/tutorial-java-spring-cosmosdb</a:t>
+            </a:r>
+          </a:p>
+          <a:p>
+            <a:pPr marL="0" lvl="0" indent="0" algn="l" rtl="0">
+              <a:spcBef>
+                <a:spcPts val="0"/>
+              </a:spcBef>
+              <a:spcAft>
+                <a:spcPts val="0"/>
+              </a:spcAft>
+              <a:buClr>
+                <a:schemeClr val="dk1"/>
+              </a:buClr>
+              <a:buSzPts val="1400"/>
+              <a:buFont typeface="Arial"/>
               <a:buNone/>
             </a:pPr>
             <a:endParaRPr lang="en-US" dirty="0"/>
           </a:p>
+          <a:p>
+            <a:pPr marL="0" lvl="0" indent="0" algn="l" rtl="0">
+              <a:spcBef>
+                <a:spcPts val="0"/>
+              </a:spcBef>
+              <a:spcAft>
+                <a:spcPts val="0"/>
+              </a:spcAft>
+              <a:buClr>
+                <a:schemeClr val="dk1"/>
+              </a:buClr>
+              <a:buSzPts val="1400"/>
+              <a:buFont typeface="Arial"/>
+              <a:buNone/>
+            </a:pPr>
+            <a:r>
+              <a:rPr lang="en-US" dirty="0"/>
+              <a:t>Walk through above – demo configuration settings/connection strings</a:t>
+            </a:r>
+          </a:p>
         </p:txBody>
+      </p:sp>
+      <p:sp>
+        <p:nvSpPr>
+          <p:cNvPr id="155" name="Google Shape;155;g7f7681885d_1_26:notes"/>
+          <p:cNvSpPr>
+            <a:spLocks noGrp="1" noRot="1" noChangeAspect="1"/>
+          </p:cNvSpPr>
+          <p:nvPr>
+            <p:ph type="sldImg" idx="2"/>
+          </p:nvPr>
+        </p:nvSpPr>
+        <p:spPr>
+          <a:xfrm>
+            <a:off x="685800" y="1143000"/>
+            <a:ext cx="5486400" cy="3086100"/>
+          </a:xfrm>
+          <a:custGeom>
+            <a:avLst/>
+            <a:gdLst/>
+            <a:ahLst/>
+            <a:cxnLst/>
+            <a:rect l="l" t="t" r="r" b="b"/>
+            <a:pathLst>
+              <a:path w="120000" h="120000" extrusionOk="0">
+                <a:moveTo>
+                  <a:pt x="0" y="0"/>
+                </a:moveTo>
+                <a:lnTo>
+                  <a:pt x="120000" y="0"/>
+                </a:lnTo>
+                <a:lnTo>
+                  <a:pt x="120000" y="120000"/>
+                </a:lnTo>
+                <a:lnTo>
+                  <a:pt x="0" y="120000"/>
+                </a:lnTo>
+                <a:close/>
+              </a:path>
+            </a:pathLst>
+          </a:custGeom>
+          <a:noFill/>
+          <a:ln w="12700" cap="flat" cmpd="sng">
+            <a:solidFill>
+              <a:srgbClr val="000000"/>
+            </a:solidFill>
+            <a:prstDash val="solid"/>
+            <a:round/>
+            <a:headEnd type="none" w="sm" len="sm"/>
+            <a:tailEnd type="none" w="sm" len="sm"/>
+          </a:ln>
+        </p:spPr>
       </p:sp>
     </p:spTree>
     <p:extLst>
       <p:ext uri="{BB962C8B-B14F-4D97-AF65-F5344CB8AC3E}">
-        <p14:creationId xmlns:p14="http://schemas.microsoft.com/office/powerpoint/2010/main" val="4142309423"/>
+        <p14:creationId xmlns:p14="http://schemas.microsoft.com/office/powerpoint/2010/main" val="2621752360"/>
       </p:ext>
     </p:extLst>
   </p:cSld>
@@ -4508,47 +4544,7 @@
               <a:buFont typeface="Arial"/>
               <a:buNone/>
             </a:pPr>
-            <a:r>
-              <a:rPr lang="en-US" dirty="0"/>
-              <a:t>https://docs.microsoft.com/en-us/azure/app-service/tutorial-java-spring-cosmosdb</a:t>
-            </a:r>
-          </a:p>
-          <a:p>
-            <a:pPr marL="0" lvl="0" indent="0" algn="l" rtl="0">
-              <a:spcBef>
-                <a:spcPts val="0"/>
-              </a:spcBef>
-              <a:spcAft>
-                <a:spcPts val="0"/>
-              </a:spcAft>
-              <a:buClr>
-                <a:schemeClr val="dk1"/>
-              </a:buClr>
-              <a:buSzPts val="1400"/>
-              <a:buFont typeface="Arial"/>
-              <a:buNone/>
-            </a:pPr>
             <a:endParaRPr lang="en-US" dirty="0"/>
-          </a:p>
-          <a:p>
-            <a:pPr marL="0" lvl="0" indent="0" algn="l" rtl="0">
-              <a:spcBef>
-                <a:spcPts val="0"/>
-              </a:spcBef>
-              <a:spcAft>
-                <a:spcPts val="0"/>
-              </a:spcAft>
-              <a:buClr>
-                <a:schemeClr val="dk1"/>
-              </a:buClr>
-              <a:buSzPts val="1400"/>
-              <a:buFont typeface="Arial"/>
-              <a:buNone/>
-            </a:pPr>
-            <a:r>
-              <a:rPr lang="en-US" dirty="0"/>
-              <a:t>Walk through above – demo configuration settings/connection strings</a:t>
-            </a:r>
           </a:p>
         </p:txBody>
       </p:sp>
@@ -4606,7 +4602,7 @@
     </p:spTree>
     <p:extLst>
       <p:ext uri="{BB962C8B-B14F-4D97-AF65-F5344CB8AC3E}">
-        <p14:creationId xmlns:p14="http://schemas.microsoft.com/office/powerpoint/2010/main" val="2621752360"/>
+        <p14:creationId xmlns:p14="http://schemas.microsoft.com/office/powerpoint/2010/main" val="2641137961"/>
       </p:ext>
     </p:extLst>
   </p:cSld>
@@ -4676,7 +4672,47 @@
               <a:buFont typeface="Arial"/>
               <a:buNone/>
             </a:pPr>
+            <a:r>
+              <a:rPr lang="en-US" dirty="0"/>
+              <a:t>https://docs.microsoft.com/en-us/azure/app-service/tutorial-auth-aad</a:t>
+            </a:r>
+          </a:p>
+          <a:p>
+            <a:pPr marL="0" lvl="0" indent="0" algn="l" rtl="0">
+              <a:spcBef>
+                <a:spcPts val="0"/>
+              </a:spcBef>
+              <a:spcAft>
+                <a:spcPts val="0"/>
+              </a:spcAft>
+              <a:buClr>
+                <a:schemeClr val="dk1"/>
+              </a:buClr>
+              <a:buSzPts val="1400"/>
+              <a:buFont typeface="Arial"/>
+              <a:buNone/>
+            </a:pPr>
             <a:endParaRPr lang="en-US" dirty="0"/>
+          </a:p>
+          <a:p>
+            <a:pPr marL="0" lvl="0" indent="0" algn="l" rtl="0">
+              <a:spcBef>
+                <a:spcPts val="0"/>
+              </a:spcBef>
+              <a:spcAft>
+                <a:spcPts val="0"/>
+              </a:spcAft>
+              <a:buClr>
+                <a:schemeClr val="dk1"/>
+              </a:buClr>
+              <a:buSzPts val="1400"/>
+              <a:buFont typeface="Arial"/>
+              <a:buNone/>
+            </a:pPr>
+            <a:r>
+              <a:rPr lang="en-US" dirty="0"/>
+              <a:t>Walk through above – demo authentication</a:t>
+            </a:r>
           </a:p>
         </p:txBody>
       </p:sp>
@@ -4734,7 +4770,7 @@
     </p:spTree>
     <p:extLst>
       <p:ext uri="{BB962C8B-B14F-4D97-AF65-F5344CB8AC3E}">
-        <p14:creationId xmlns:p14="http://schemas.microsoft.com/office/powerpoint/2010/main" val="2641137961"/>
+        <p14:creationId xmlns:p14="http://schemas.microsoft.com/office/powerpoint/2010/main" val="3591166637"/>
       </p:ext>
     </p:extLst>
   </p:cSld>
@@ -4804,47 +4840,7 @@
               <a:buFont typeface="Arial"/>
               <a:buNone/>
             </a:pPr>
-            <a:r>
-              <a:rPr lang="en-US" dirty="0"/>
-              <a:t>https://docs.microsoft.com/en-us/azure/app-service/tutorial-auth-aad</a:t>
-            </a:r>
-          </a:p>
-          <a:p>
-            <a:pPr marL="0" lvl="0" indent="0" algn="l" rtl="0">
-              <a:spcBef>
-                <a:spcPts val="0"/>
-              </a:spcBef>
-              <a:spcAft>
-                <a:spcPts val="0"/>
-              </a:spcAft>
-              <a:buClr>
-                <a:schemeClr val="dk1"/>
-              </a:buClr>
-              <a:buSzPts val="1400"/>
-              <a:buFont typeface="Arial"/>
-              <a:buNone/>
-            </a:pPr>
             <a:endParaRPr lang="en-US" dirty="0"/>
-          </a:p>
-          <a:p>
-            <a:pPr marL="0" lvl="0" indent="0" algn="l" rtl="0">
-              <a:spcBef>
-                <a:spcPts val="0"/>
-              </a:spcBef>
-              <a:spcAft>
-                <a:spcPts val="0"/>
-              </a:spcAft>
-              <a:buClr>
-                <a:schemeClr val="dk1"/>
-              </a:buClr>
-              <a:buSzPts val="1400"/>
-              <a:buFont typeface="Arial"/>
-              <a:buNone/>
-            </a:pPr>
-            <a:r>
-              <a:rPr lang="en-US" dirty="0"/>
-              <a:t>Walk through above – demo authentication</a:t>
-            </a:r>
           </a:p>
         </p:txBody>
       </p:sp>
@@ -4902,7 +4898,7 @@
     </p:spTree>
     <p:extLst>
       <p:ext uri="{BB962C8B-B14F-4D97-AF65-F5344CB8AC3E}">
-        <p14:creationId xmlns:p14="http://schemas.microsoft.com/office/powerpoint/2010/main" val="3591166637"/>
+        <p14:creationId xmlns:p14="http://schemas.microsoft.com/office/powerpoint/2010/main" val="4079992578"/>
       </p:ext>
     </p:extLst>
   </p:cSld>
@@ -4972,7 +4968,34 @@
               <a:buFont typeface="Arial"/>
               <a:buNone/>
             </a:pPr>
+            <a:r>
+              <a:rPr lang="en-US" dirty="0"/>
+              <a:t>https://docs.microsoft.com/en-us/azure/app-service/configure-ssl-bindings</a:t>
+            </a:r>
+            <a:br>
+              <a:rPr lang="en-US" dirty="0"/>
+            </a:br>
             <a:endParaRPr lang="en-US" dirty="0"/>
+          </a:p>
+          <a:p>
+            <a:pPr marL="0" lvl="0" indent="0" algn="l" rtl="0">
+              <a:spcBef>
+                <a:spcPts val="0"/>
+              </a:spcBef>
+              <a:spcAft>
+                <a:spcPts val="0"/>
+              </a:spcAft>
+              <a:buClr>
+                <a:schemeClr val="dk1"/>
+              </a:buClr>
+              <a:buSzPts val="1400"/>
+              <a:buFont typeface="Arial"/>
+              <a:buNone/>
+            </a:pPr>
+            <a:r>
+              <a:rPr lang="en-US" dirty="0"/>
+              <a:t>Walk through above – demo cert</a:t>
+            </a:r>
           </a:p>
         </p:txBody>
       </p:sp>
@@ -5030,7 +5053,7 @@
     </p:spTree>
     <p:extLst>
       <p:ext uri="{BB962C8B-B14F-4D97-AF65-F5344CB8AC3E}">
-        <p14:creationId xmlns:p14="http://schemas.microsoft.com/office/powerpoint/2010/main" val="4079992578"/>
+        <p14:creationId xmlns:p14="http://schemas.microsoft.com/office/powerpoint/2010/main" val="3556372055"/>
       </p:ext>
     </p:extLst>
   </p:cSld>
@@ -5100,34 +5123,7 @@
               <a:buFont typeface="Arial"/>
               <a:buNone/>
             </a:pPr>
-            <a:r>
-              <a:rPr lang="en-US" dirty="0"/>
-              <a:t>https://docs.microsoft.com/en-us/azure/app-service/configure-ssl-bindings</a:t>
-            </a:r>
-            <a:br>
-              <a:rPr lang="en-US" dirty="0"/>
-            </a:br>
             <a:endParaRPr lang="en-US" dirty="0"/>
-          </a:p>
-          <a:p>
-            <a:pPr marL="0" lvl="0" indent="0" algn="l" rtl="0">
-              <a:spcBef>
-                <a:spcPts val="0"/>
-              </a:spcBef>
-              <a:spcAft>
-                <a:spcPts val="0"/>
-              </a:spcAft>
-              <a:buClr>
-                <a:schemeClr val="dk1"/>
-              </a:buClr>
-              <a:buSzPts val="1400"/>
-              <a:buFont typeface="Arial"/>
-              <a:buNone/>
-            </a:pPr>
-            <a:r>
-              <a:rPr lang="en-US" dirty="0"/>
-              <a:t>Walk through above – demo cert</a:t>
-            </a:r>
           </a:p>
         </p:txBody>
       </p:sp>
@@ -5185,7 +5181,7 @@
     </p:spTree>
     <p:extLst>
       <p:ext uri="{BB962C8B-B14F-4D97-AF65-F5344CB8AC3E}">
-        <p14:creationId xmlns:p14="http://schemas.microsoft.com/office/powerpoint/2010/main" val="3556372055"/>
+        <p14:creationId xmlns:p14="http://schemas.microsoft.com/office/powerpoint/2010/main" val="3906587769"/>
       </p:ext>
     </p:extLst>
   </p:cSld>
@@ -5255,7 +5251,47 @@
               <a:buFont typeface="Arial"/>
               <a:buNone/>
             </a:pPr>
+            <a:r>
+              <a:rPr lang="en-US" dirty="0"/>
+              <a:t>https://docs.microsoft.com/en-us/azure/app-service/tutorial-networking-isolate-vnet</a:t>
+            </a:r>
+          </a:p>
+          <a:p>
+            <a:pPr marL="0" lvl="0" indent="0" algn="l" rtl="0">
+              <a:spcBef>
+                <a:spcPts val="0"/>
+              </a:spcBef>
+              <a:spcAft>
+                <a:spcPts val="0"/>
+              </a:spcAft>
+              <a:buClr>
+                <a:schemeClr val="dk1"/>
+              </a:buClr>
+              <a:buSzPts val="1400"/>
+              <a:buFont typeface="Arial"/>
+              <a:buNone/>
+            </a:pPr>
             <a:endParaRPr lang="en-US" dirty="0"/>
+          </a:p>
+          <a:p>
+            <a:pPr marL="0" lvl="0" indent="0" algn="l" rtl="0">
+              <a:spcBef>
+                <a:spcPts val="0"/>
+              </a:spcBef>
+              <a:spcAft>
+                <a:spcPts val="0"/>
+              </a:spcAft>
+              <a:buClr>
+                <a:schemeClr val="dk1"/>
+              </a:buClr>
+              <a:buSzPts val="1400"/>
+              <a:buFont typeface="Arial"/>
+              <a:buNone/>
+            </a:pPr>
+            <a:r>
+              <a:rPr lang="en-US" dirty="0"/>
+              <a:t>Walk through above – demo isolation</a:t>
+            </a:r>
           </a:p>
         </p:txBody>
       </p:sp>
@@ -5313,7 +5349,7 @@
     </p:spTree>
     <p:extLst>
       <p:ext uri="{BB962C8B-B14F-4D97-AF65-F5344CB8AC3E}">
-        <p14:creationId xmlns:p14="http://schemas.microsoft.com/office/powerpoint/2010/main" val="3906587769"/>
+        <p14:creationId xmlns:p14="http://schemas.microsoft.com/office/powerpoint/2010/main" val="2912325332"/>
       </p:ext>
     </p:extLst>
   </p:cSld>
@@ -5385,7 +5421,7 @@
             </a:pPr>
             <a:r>
               <a:rPr lang="en-US" dirty="0"/>
-              <a:t>https://docs.microsoft.com/en-us/azure/app-service/tutorial-networking-isolate-vnet</a:t>
+              <a:t>https://docs.microsoft.com/en-us/azure/app-service/quickstart-html</a:t>
             </a:r>
           </a:p>
           <a:p>
@@ -5422,7 +5458,7 @@
             </a:pPr>
             <a:r>
               <a:rPr lang="en-US" dirty="0"/>
-              <a:t>Walk through above – demo isolation</a:t>
+              <a:t>Walk through above – demo static deployment</a:t>
             </a:r>
           </a:p>
         </p:txBody>
@@ -5481,7 +5517,7 @@
     </p:spTree>
     <p:extLst>
       <p:ext uri="{BB962C8B-B14F-4D97-AF65-F5344CB8AC3E}">
-        <p14:creationId xmlns:p14="http://schemas.microsoft.com/office/powerpoint/2010/main" val="2912325332"/>
+        <p14:creationId xmlns:p14="http://schemas.microsoft.com/office/powerpoint/2010/main" val="3384522181"/>
       </p:ext>
     </p:extLst>
   </p:cSld>
@@ -5553,7 +5589,7 @@
             </a:pPr>
             <a:r>
               <a:rPr lang="en-US" dirty="0"/>
-              <a:t>https://docs.microsoft.com/en-us/azure/app-service/quickstart-html</a:t>
+              <a:t>https://docs.microsoft.com/en-us/azure/app-service/tutorial-custom-container?pivots=container-linux</a:t>
             </a:r>
           </a:p>
           <a:p>
@@ -5590,7 +5626,7 @@
             </a:pPr>
             <a:r>
               <a:rPr lang="en-US" dirty="0"/>
-              <a:t>Walk through above – demo static deployment</a:t>
+              <a:t>Walk through above – demo container deployment</a:t>
             </a:r>
           </a:p>
         </p:txBody>
@@ -5649,7 +5685,7 @@
     </p:spTree>
     <p:extLst>
       <p:ext uri="{BB962C8B-B14F-4D97-AF65-F5344CB8AC3E}">
-        <p14:creationId xmlns:p14="http://schemas.microsoft.com/office/powerpoint/2010/main" val="3384522181"/>
+        <p14:creationId xmlns:p14="http://schemas.microsoft.com/office/powerpoint/2010/main" val="1701951337"/>
       </p:ext>
     </p:extLst>
   </p:cSld>
@@ -5721,44 +5757,7 @@
             </a:pPr>
             <a:r>
               <a:rPr lang="en-US" dirty="0"/>
-              <a:t>https://docs.microsoft.com/en-us/azure/app-service/tutorial-custom-container?pivots=container-linux</a:t>
-            </a:r>
-          </a:p>
-          <a:p>
-            <a:pPr marL="0" lvl="0" indent="0" algn="l" rtl="0">
-              <a:spcBef>
-                <a:spcPts val="0"/>
-              </a:spcBef>
-              <a:spcAft>
-                <a:spcPts val="0"/>
-              </a:spcAft>
-              <a:buClr>
-                <a:schemeClr val="dk1"/>
-              </a:buClr>
-              <a:buSzPts val="1400"/>
-              <a:buFont typeface="Arial"/>
-              <a:buNone/>
-            </a:pPr>
-            <a:endParaRPr lang="en-US" dirty="0"/>
-          </a:p>
-          <a:p>
-            <a:pPr marL="0" lvl="0" indent="0" algn="l" rtl="0">
-              <a:spcBef>
-                <a:spcPts val="0"/>
-              </a:spcBef>
-              <a:spcAft>
-                <a:spcPts val="0"/>
-              </a:spcAft>
-              <a:buClr>
-                <a:schemeClr val="dk1"/>
-              </a:buClr>
-              <a:buSzPts val="1400"/>
-              <a:buFont typeface="Arial"/>
-              <a:buNone/>
-            </a:pPr>
-            <a:r>
-              <a:rPr lang="en-US" dirty="0"/>
-              <a:t>Walk through above – demo container deployment</a:t>
+              <a:t>Supports different approaches (including IntelliJ)</a:t>
             </a:r>
           </a:p>
         </p:txBody>
@@ -5817,7 +5816,7 @@
     </p:spTree>
     <p:extLst>
       <p:ext uri="{BB962C8B-B14F-4D97-AF65-F5344CB8AC3E}">
-        <p14:creationId xmlns:p14="http://schemas.microsoft.com/office/powerpoint/2010/main" val="1701951337"/>
+        <p14:creationId xmlns:p14="http://schemas.microsoft.com/office/powerpoint/2010/main" val="3692865547"/>
       </p:ext>
     </p:extLst>
   </p:cSld>
@@ -5959,137 +5958,6 @@
 </file>
 
 <file path=ppt/notesSlides/notesSlide40.xml><?xml version="1.0" encoding="utf-8"?>
-<p:notes xmlns:a="http://schemas.openxmlformats.org/drawingml/2006/main" xmlns:r="http://schemas.openxmlformats.org/officeDocument/2006/relationships" xmlns:p="http://schemas.openxmlformats.org/presentationml/2006/main" showMasterSp="0" showMasterPhAnim="0">
-  <p:cSld>
-    <p:spTree>
-      <p:nvGrpSpPr>
-        <p:cNvPr id="1" name="Shape 153"/>
-        <p:cNvGrpSpPr/>
-        <p:nvPr/>
-      </p:nvGrpSpPr>
-      <p:grpSpPr>
-        <a:xfrm>
-          <a:off x="0" y="0"/>
-          <a:ext cx="0" cy="0"/>
-          <a:chOff x="0" y="0"/>
-          <a:chExt cx="0" cy="0"/>
-        </a:xfrm>
-      </p:grpSpPr>
-      <p:sp>
-        <p:nvSpPr>
-          <p:cNvPr id="154" name="Google Shape;154;g7f7681885d_1_26:notes"/>
-          <p:cNvSpPr txBox="1">
-            <a:spLocks noGrp="1"/>
-          </p:cNvSpPr>
-          <p:nvPr>
-            <p:ph type="body" idx="1"/>
-          </p:nvPr>
-        </p:nvSpPr>
-        <p:spPr>
-          <a:xfrm>
-            <a:off x="685800" y="4400550"/>
-            <a:ext cx="5486400" cy="3600600"/>
-          </a:xfrm>
-          <a:prstGeom prst="rect">
-            <a:avLst/>
-          </a:prstGeom>
-          <a:noFill/>
-          <a:ln>
-            <a:noFill/>
-          </a:ln>
-        </p:spPr>
-        <p:txBody>
-          <a:bodyPr spcFirstLastPara="1" wrap="square" lIns="91425" tIns="45700" rIns="91425" bIns="45700" anchor="t" anchorCtr="0">
-            <a:noAutofit/>
-          </a:bodyPr>
-          <a:lstStyle/>
-          <a:p>
-            <a:pPr marL="0" lvl="0" indent="0" algn="l" rtl="0">
-              <a:spcBef>
-                <a:spcPts val="0"/>
-              </a:spcBef>
-              <a:spcAft>
-                <a:spcPts val="0"/>
-              </a:spcAft>
-              <a:buClr>
-                <a:schemeClr val="dk1"/>
-              </a:buClr>
-              <a:buSzPts val="1400"/>
-              <a:buFont typeface="Arial"/>
-              <a:buNone/>
-            </a:pPr>
-            <a:r>
-              <a:rPr lang="en-US" dirty="0"/>
-              <a:t>Supports different approaches (including IntelliJ)</a:t>
-            </a:r>
-          </a:p>
-        </p:txBody>
-      </p:sp>
-      <p:sp>
-        <p:nvSpPr>
-          <p:cNvPr id="155" name="Google Shape;155;g7f7681885d_1_26:notes"/>
-          <p:cNvSpPr>
-            <a:spLocks noGrp="1" noRot="1" noChangeAspect="1"/>
-          </p:cNvSpPr>
-          <p:nvPr>
-            <p:ph type="sldImg" idx="2"/>
-          </p:nvPr>
-        </p:nvSpPr>
-        <p:spPr>
-          <a:xfrm>
-            <a:off x="685800" y="1143000"/>
-            <a:ext cx="5486400" cy="3086100"/>
-          </a:xfrm>
-          <a:custGeom>
-            <a:avLst/>
-            <a:gdLst/>
-            <a:ahLst/>
-            <a:cxnLst/>
-            <a:rect l="l" t="t" r="r" b="b"/>
-            <a:pathLst>
-              <a:path w="120000" h="120000" extrusionOk="0">
-                <a:moveTo>
-                  <a:pt x="0" y="0"/>
-                </a:moveTo>
-                <a:lnTo>
-                  <a:pt x="120000" y="0"/>
-                </a:lnTo>
-                <a:lnTo>
-                  <a:pt x="120000" y="120000"/>
-                </a:lnTo>
-                <a:lnTo>
-                  <a:pt x="0" y="120000"/>
-                </a:lnTo>
-                <a:close/>
-              </a:path>
-            </a:pathLst>
-          </a:custGeom>
-          <a:noFill/>
-          <a:ln w="12700" cap="flat" cmpd="sng">
-            <a:solidFill>
-              <a:srgbClr val="000000"/>
-            </a:solidFill>
-            <a:prstDash val="solid"/>
-            <a:round/>
-            <a:headEnd type="none" w="sm" len="sm"/>
-            <a:tailEnd type="none" w="sm" len="sm"/>
-          </a:ln>
-        </p:spPr>
-      </p:sp>
-    </p:spTree>
-    <p:extLst>
-      <p:ext uri="{BB962C8B-B14F-4D97-AF65-F5344CB8AC3E}">
-        <p14:creationId xmlns:p14="http://schemas.microsoft.com/office/powerpoint/2010/main" val="3692865547"/>
-      </p:ext>
-    </p:extLst>
-  </p:cSld>
-  <p:clrMapOvr>
-    <a:masterClrMapping/>
-  </p:clrMapOvr>
-</p:notes>
-</file>
-
-<file path=ppt/notesSlides/notesSlide41.xml><?xml version="1.0" encoding="utf-8"?>
 <p:notes xmlns:a="http://schemas.openxmlformats.org/drawingml/2006/main" xmlns:r="http://schemas.openxmlformats.org/officeDocument/2006/relationships" xmlns:p="http://schemas.openxmlformats.org/presentationml/2006/main" showMasterSp="0" showMasterPhAnim="0">
   <p:cSld>
     <p:spTree>
@@ -25208,116 +25076,6 @@
   <p:cSld>
     <p:spTree>
       <p:nvGrpSpPr>
-        <p:cNvPr id="1" name="Shape 156"/>
-        <p:cNvGrpSpPr/>
-        <p:nvPr/>
-      </p:nvGrpSpPr>
-      <p:grpSpPr>
-        <a:xfrm>
-          <a:off x="0" y="0"/>
-          <a:ext cx="0" cy="0"/>
-          <a:chOff x="0" y="0"/>
-          <a:chExt cx="0" cy="0"/>
-        </a:xfrm>
-      </p:grpSpPr>
-      <p:sp>
-        <p:nvSpPr>
-          <p:cNvPr id="157" name="Google Shape;157;p26"/>
-          <p:cNvSpPr txBox="1">
-            <a:spLocks noGrp="1"/>
-          </p:cNvSpPr>
-          <p:nvPr>
-            <p:ph type="title"/>
-          </p:nvPr>
-        </p:nvSpPr>
-        <p:spPr>
-          <a:prstGeom prst="rect">
-            <a:avLst/>
-          </a:prstGeom>
-          <a:noFill/>
-          <a:ln>
-            <a:noFill/>
-          </a:ln>
-        </p:spPr>
-        <p:txBody>
-          <a:bodyPr spcFirstLastPara="1" wrap="square" lIns="68569" tIns="34275" rIns="68569" bIns="34275" anchor="ctr" anchorCtr="0">
-            <a:noAutofit/>
-          </a:bodyPr>
-          <a:lstStyle/>
-          <a:p>
-            <a:pPr>
-              <a:buSzPts val="3200"/>
-            </a:pPr>
-            <a:r>
-              <a:rPr lang="en-US" b="1" dirty="0">
-                <a:latin typeface="Helvetica Neue"/>
-                <a:ea typeface="Helvetica Neue"/>
-                <a:cs typeface="Helvetica Neue"/>
-                <a:sym typeface="Helvetica Neue"/>
-              </a:rPr>
-              <a:t>Demo – Create REST API</a:t>
-            </a:r>
-            <a:endParaRPr b="1" dirty="0">
-              <a:latin typeface="Helvetica Neue"/>
-              <a:ea typeface="Helvetica Neue"/>
-              <a:cs typeface="Helvetica Neue"/>
-              <a:sym typeface="Helvetica Neue"/>
-            </a:endParaRPr>
-          </a:p>
-        </p:txBody>
-      </p:sp>
-      <p:sp>
-        <p:nvSpPr>
-          <p:cNvPr id="159" name="Google Shape;159;p26"/>
-          <p:cNvSpPr txBox="1">
-            <a:spLocks noGrp="1"/>
-          </p:cNvSpPr>
-          <p:nvPr>
-            <p:ph type="sldNum" idx="12"/>
-          </p:nvPr>
-        </p:nvSpPr>
-        <p:spPr>
-          <a:prstGeom prst="rect">
-            <a:avLst/>
-          </a:prstGeom>
-          <a:noFill/>
-          <a:ln>
-            <a:noFill/>
-          </a:ln>
-        </p:spPr>
-        <p:txBody>
-          <a:bodyPr spcFirstLastPara="1" wrap="square" lIns="68569" tIns="34275" rIns="68569" bIns="34275" anchor="ctr" anchorCtr="0">
-            <a:noAutofit/>
-          </a:bodyPr>
-          <a:lstStyle/>
-          <a:p>
-            <a:fld id="{00000000-1234-1234-1234-123412341234}" type="slidenum">
-              <a:rPr lang="en-US"/>
-              <a:pPr/>
-              <a:t>24</a:t>
-            </a:fld>
-            <a:endParaRPr/>
-          </a:p>
-        </p:txBody>
-      </p:sp>
-    </p:spTree>
-    <p:extLst>
-      <p:ext uri="{BB962C8B-B14F-4D97-AF65-F5344CB8AC3E}">
-        <p14:creationId xmlns:p14="http://schemas.microsoft.com/office/powerpoint/2010/main" val="3392509449"/>
-      </p:ext>
-    </p:extLst>
-  </p:cSld>
-  <p:clrMapOvr>
-    <a:masterClrMapping/>
-  </p:clrMapOvr>
-</p:sld>
-</file>
-
-<file path=ppt/slides/slide25.xml><?xml version="1.0" encoding="utf-8"?>
-<p:sld xmlns:a="http://schemas.openxmlformats.org/drawingml/2006/main" xmlns:r="http://schemas.openxmlformats.org/officeDocument/2006/relationships" xmlns:p="http://schemas.openxmlformats.org/presentationml/2006/main">
-  <p:cSld>
-    <p:spTree>
-      <p:nvGrpSpPr>
         <p:cNvPr id="1" name=""/>
         <p:cNvGrpSpPr/>
         <p:nvPr/>
@@ -25362,7 +25120,7 @@
             </a:pPr>
             <a:fld id="{00000000-1234-1234-1234-123412341234}" type="slidenum">
               <a:rPr lang="en" smtClean="0"/>
-              <a:t>25</a:t>
+              <a:t>24</a:t>
             </a:fld>
             <a:endParaRPr lang="en"/>
           </a:p>
@@ -25467,7 +25225,7 @@
 </p:sld>
 </file>
 
-<file path=ppt/slides/slide26.xml><?xml version="1.0" encoding="utf-8"?>
+<file path=ppt/slides/slide25.xml><?xml version="1.0" encoding="utf-8"?>
 <p:sld xmlns:a="http://schemas.openxmlformats.org/drawingml/2006/main" xmlns:r="http://schemas.openxmlformats.org/officeDocument/2006/relationships" xmlns:p="http://schemas.openxmlformats.org/presentationml/2006/main">
   <p:cSld>
     <p:spTree>
@@ -25712,7 +25470,7 @@
             <a:fld id="{00000000-1234-1234-1234-123412341234}" type="slidenum">
               <a:rPr lang="en-US"/>
               <a:pPr/>
-              <a:t>26</a:t>
+              <a:t>25</a:t>
             </a:fld>
             <a:endParaRPr/>
           </a:p>
@@ -25960,7 +25718,7 @@
 </p:sld>
 </file>
 
-<file path=ppt/slides/slide27.xml><?xml version="1.0" encoding="utf-8"?>
+<file path=ppt/slides/slide26.xml><?xml version="1.0" encoding="utf-8"?>
 <p:sld xmlns:a="http://schemas.openxmlformats.org/drawingml/2006/main" xmlns:r="http://schemas.openxmlformats.org/officeDocument/2006/relationships" xmlns:p="http://schemas.openxmlformats.org/presentationml/2006/main">
   <p:cSld>
     <p:spTree>
@@ -26051,7 +25809,7 @@
             <a:fld id="{00000000-1234-1234-1234-123412341234}" type="slidenum">
               <a:rPr lang="en-US"/>
               <a:pPr/>
-              <a:t>27</a:t>
+              <a:t>26</a:t>
             </a:fld>
             <a:endParaRPr/>
           </a:p>
@@ -26070,7 +25828,7 @@
 </p:sld>
 </file>
 
-<file path=ppt/slides/slide28.xml><?xml version="1.0" encoding="utf-8"?>
+<file path=ppt/slides/slide27.xml><?xml version="1.0" encoding="utf-8"?>
 <p:sld xmlns:a="http://schemas.openxmlformats.org/drawingml/2006/main" xmlns:r="http://schemas.openxmlformats.org/officeDocument/2006/relationships" xmlns:p="http://schemas.openxmlformats.org/presentationml/2006/main">
   <p:cSld>
     <p:spTree>
@@ -26119,7 +25877,7 @@
             </a:pPr>
             <a:fld id="{00000000-1234-1234-1234-123412341234}" type="slidenum">
               <a:rPr lang="en" smtClean="0"/>
-              <a:t>28</a:t>
+              <a:t>27</a:t>
             </a:fld>
             <a:endParaRPr lang="en"/>
           </a:p>
@@ -26224,7 +25982,7 @@
 </p:sld>
 </file>
 
-<file path=ppt/slides/slide29.xml><?xml version="1.0" encoding="utf-8"?>
+<file path=ppt/slides/slide28.xml><?xml version="1.0" encoding="utf-8"?>
 <p:sld xmlns:a="http://schemas.openxmlformats.org/drawingml/2006/main" xmlns:r="http://schemas.openxmlformats.org/officeDocument/2006/relationships" xmlns:p="http://schemas.openxmlformats.org/presentationml/2006/main">
   <p:cSld>
     <p:spTree>
@@ -26434,7 +26192,7 @@
             <a:fld id="{00000000-1234-1234-1234-123412341234}" type="slidenum">
               <a:rPr lang="en-US"/>
               <a:pPr/>
-              <a:t>29</a:t>
+              <a:t>28</a:t>
             </a:fld>
             <a:endParaRPr/>
           </a:p>
@@ -26633,7 +26391,7 @@
 </p:sld>
 </file>
 
-<file path=ppt/slides/slide3.xml><?xml version="1.0" encoding="utf-8"?>
+<file path=ppt/slides/slide29.xml><?xml version="1.0" encoding="utf-8"?>
 <p:sld xmlns:a="http://schemas.openxmlformats.org/drawingml/2006/main" xmlns:r="http://schemas.openxmlformats.org/officeDocument/2006/relationships" xmlns:p="http://schemas.openxmlformats.org/presentationml/2006/main">
   <p:cSld>
     <p:spTree>
@@ -26685,232 +26443,6 @@
                 <a:cs typeface="Helvetica Neue"/>
                 <a:sym typeface="Helvetica Neue"/>
               </a:rPr>
-              <a:t>Deploying Web Apps – the “Hard(er)” Way</a:t>
-            </a:r>
-            <a:endParaRPr b="1" dirty="0">
-              <a:latin typeface="Helvetica Neue"/>
-              <a:ea typeface="Helvetica Neue"/>
-              <a:cs typeface="Helvetica Neue"/>
-              <a:sym typeface="Helvetica Neue"/>
-            </a:endParaRPr>
-          </a:p>
-        </p:txBody>
-      </p:sp>
-      <p:sp>
-        <p:nvSpPr>
-          <p:cNvPr id="159" name="Google Shape;159;p26"/>
-          <p:cNvSpPr txBox="1">
-            <a:spLocks noGrp="1"/>
-          </p:cNvSpPr>
-          <p:nvPr>
-            <p:ph type="sldNum" idx="12"/>
-          </p:nvPr>
-        </p:nvSpPr>
-        <p:spPr>
-          <a:prstGeom prst="rect">
-            <a:avLst/>
-          </a:prstGeom>
-          <a:noFill/>
-          <a:ln>
-            <a:noFill/>
-          </a:ln>
-        </p:spPr>
-        <p:txBody>
-          <a:bodyPr spcFirstLastPara="1" wrap="square" lIns="68569" tIns="34275" rIns="68569" bIns="34275" anchor="ctr" anchorCtr="0">
-            <a:noAutofit/>
-          </a:bodyPr>
-          <a:lstStyle/>
-          <a:p>
-            <a:fld id="{00000000-1234-1234-1234-123412341234}" type="slidenum">
-              <a:rPr lang="en-US"/>
-              <a:pPr/>
-              <a:t>3</a:t>
-            </a:fld>
-            <a:endParaRPr/>
-          </a:p>
-        </p:txBody>
-      </p:sp>
-      <p:pic>
-        <p:nvPicPr>
-          <p:cNvPr id="1026" name="Picture 2">
-            <a:extLst>
-              <a:ext uri="{FF2B5EF4-FFF2-40B4-BE49-F238E27FC236}">
-                <a16:creationId xmlns:a16="http://schemas.microsoft.com/office/drawing/2014/main" id="{0238A597-89B1-2C92-E6C7-56B588E90D4D}"/>
-              </a:ext>
-            </a:extLst>
-          </p:cNvPr>
-          <p:cNvPicPr>
-            <a:picLocks noChangeAspect="1" noChangeArrowheads="1"/>
-          </p:cNvPicPr>
-          <p:nvPr/>
-        </p:nvPicPr>
-        <p:blipFill>
-          <a:blip r:embed="rId3">
-            <a:extLst>
-              <a:ext uri="{28A0092B-C50C-407E-A947-70E740481C1C}">
-                <a14:useLocalDpi xmlns:a14="http://schemas.microsoft.com/office/drawing/2010/main" val="0"/>
-              </a:ext>
-            </a:extLst>
-          </a:blip>
-          <a:srcRect/>
-          <a:stretch>
-            <a:fillRect/>
-          </a:stretch>
-        </p:blipFill>
-        <p:spPr bwMode="auto">
-          <a:xfrm>
-            <a:off x="2886075" y="1495525"/>
-            <a:ext cx="3371850" cy="2933700"/>
-          </a:xfrm>
-          <a:prstGeom prst="rect">
-            <a:avLst/>
-          </a:prstGeom>
-          <a:noFill/>
-          <a:extLst>
-            <a:ext uri="{909E8E84-426E-40DD-AFC4-6F175D3DCCD1}">
-              <a14:hiddenFill xmlns:a14="http://schemas.microsoft.com/office/drawing/2010/main">
-                <a:solidFill>
-                  <a:srgbClr val="FFFFFF"/>
-                </a:solidFill>
-              </a14:hiddenFill>
-            </a:ext>
-          </a:extLst>
-        </p:spPr>
-      </p:pic>
-      <p:sp>
-        <p:nvSpPr>
-          <p:cNvPr id="8" name="TextBox 7">
-            <a:extLst>
-              <a:ext uri="{FF2B5EF4-FFF2-40B4-BE49-F238E27FC236}">
-                <a16:creationId xmlns:a16="http://schemas.microsoft.com/office/drawing/2014/main" id="{CE63BE20-92BC-AFFE-3B9F-4E7A6CB0BB75}"/>
-              </a:ext>
-            </a:extLst>
-          </p:cNvPr>
-          <p:cNvSpPr txBox="1"/>
-          <p:nvPr/>
-        </p:nvSpPr>
-        <p:spPr>
-          <a:xfrm>
-            <a:off x="6047715" y="1756372"/>
-            <a:ext cx="2625505" cy="1754326"/>
-          </a:xfrm>
-          <a:prstGeom prst="rect">
-            <a:avLst/>
-          </a:prstGeom>
-          <a:noFill/>
-        </p:spPr>
-        <p:txBody>
-          <a:bodyPr wrap="square" rtlCol="0">
-            <a:spAutoFit/>
-          </a:bodyPr>
-          <a:lstStyle/>
-          <a:p>
-            <a:pPr marL="285750" indent="-285750">
-              <a:buFont typeface="Arial" panose="020B0604020202020204" pitchFamily="34" charset="0"/>
-              <a:buChar char="•"/>
-            </a:pPr>
-            <a:r>
-              <a:rPr lang="en-US" sz="1200" dirty="0"/>
-              <a:t>Responsible for management of OS</a:t>
-            </a:r>
-          </a:p>
-          <a:p>
-            <a:pPr marL="285750" indent="-285750">
-              <a:buFont typeface="Arial" panose="020B0604020202020204" pitchFamily="34" charset="0"/>
-              <a:buChar char="•"/>
-            </a:pPr>
-            <a:r>
-              <a:rPr lang="en-US" sz="1200" dirty="0"/>
-              <a:t>Responsible for installation &amp; configuration of a web hosting framework</a:t>
-            </a:r>
-          </a:p>
-          <a:p>
-            <a:pPr marL="285750" indent="-285750">
-              <a:buFont typeface="Arial" panose="020B0604020202020204" pitchFamily="34" charset="0"/>
-              <a:buChar char="•"/>
-            </a:pPr>
-            <a:r>
-              <a:rPr lang="en-US" sz="1200" dirty="0"/>
-              <a:t>Responsible for installation &amp; configuration of a runtime</a:t>
-            </a:r>
-          </a:p>
-          <a:p>
-            <a:pPr marL="285750" indent="-285750">
-              <a:buFont typeface="Arial" panose="020B0604020202020204" pitchFamily="34" charset="0"/>
-              <a:buChar char="•"/>
-            </a:pPr>
-            <a:r>
-              <a:rPr lang="en-US" sz="1200" dirty="0"/>
-              <a:t>Responsible for installation &amp; configuration of the app itself</a:t>
-            </a:r>
-          </a:p>
-        </p:txBody>
-      </p:sp>
-    </p:spTree>
-    <p:extLst>
-      <p:ext uri="{BB962C8B-B14F-4D97-AF65-F5344CB8AC3E}">
-        <p14:creationId xmlns:p14="http://schemas.microsoft.com/office/powerpoint/2010/main" val="1876466358"/>
-      </p:ext>
-    </p:extLst>
-  </p:cSld>
-  <p:clrMapOvr>
-    <a:masterClrMapping/>
-  </p:clrMapOvr>
-</p:sld>
-</file>
-
-<file path=ppt/slides/slide30.xml><?xml version="1.0" encoding="utf-8"?>
-<p:sld xmlns:a="http://schemas.openxmlformats.org/drawingml/2006/main" xmlns:r="http://schemas.openxmlformats.org/officeDocument/2006/relationships" xmlns:p="http://schemas.openxmlformats.org/presentationml/2006/main">
-  <p:cSld>
-    <p:spTree>
-      <p:nvGrpSpPr>
-        <p:cNvPr id="1" name="Shape 156"/>
-        <p:cNvGrpSpPr/>
-        <p:nvPr/>
-      </p:nvGrpSpPr>
-      <p:grpSpPr>
-        <a:xfrm>
-          <a:off x="0" y="0"/>
-          <a:ext cx="0" cy="0"/>
-          <a:chOff x="0" y="0"/>
-          <a:chExt cx="0" cy="0"/>
-        </a:xfrm>
-      </p:grpSpPr>
-      <p:sp>
-        <p:nvSpPr>
-          <p:cNvPr id="157" name="Google Shape;157;p26"/>
-          <p:cNvSpPr txBox="1">
-            <a:spLocks noGrp="1"/>
-          </p:cNvSpPr>
-          <p:nvPr>
-            <p:ph type="title"/>
-          </p:nvPr>
-        </p:nvSpPr>
-        <p:spPr>
-          <a:prstGeom prst="rect">
-            <a:avLst/>
-          </a:prstGeom>
-          <a:noFill/>
-          <a:ln>
-            <a:noFill/>
-          </a:ln>
-        </p:spPr>
-        <p:txBody>
-          <a:bodyPr spcFirstLastPara="1" wrap="square" lIns="68569" tIns="34275" rIns="68569" bIns="34275" anchor="ctr" anchorCtr="0">
-            <a:noAutofit/>
-          </a:bodyPr>
-          <a:lstStyle/>
-          <a:p>
-            <a:pPr>
-              <a:buSzPts val="3200"/>
-            </a:pPr>
-            <a:r>
-              <a:rPr lang="en-US" b="1" dirty="0">
-                <a:latin typeface="Helvetica Neue"/>
-                <a:ea typeface="Helvetica Neue"/>
-                <a:cs typeface="Helvetica Neue"/>
-                <a:sym typeface="Helvetica Neue"/>
-              </a:rPr>
               <a:t>Deployment Slots – Benefits</a:t>
             </a:r>
             <a:endParaRPr b="1" dirty="0">
@@ -27104,7 +26636,7 @@
             <a:fld id="{00000000-1234-1234-1234-123412341234}" type="slidenum">
               <a:rPr lang="en-US"/>
               <a:pPr/>
-              <a:t>30</a:t>
+              <a:t>29</a:t>
             </a:fld>
             <a:endParaRPr/>
           </a:p>
@@ -27352,6 +26884,415 @@
 </p:sld>
 </file>
 
+<file path=ppt/slides/slide3.xml><?xml version="1.0" encoding="utf-8"?>
+<p:sld xmlns:a="http://schemas.openxmlformats.org/drawingml/2006/main" xmlns:r="http://schemas.openxmlformats.org/officeDocument/2006/relationships" xmlns:p="http://schemas.openxmlformats.org/presentationml/2006/main">
+  <p:cSld>
+    <p:spTree>
+      <p:nvGrpSpPr>
+        <p:cNvPr id="1" name="Shape 156"/>
+        <p:cNvGrpSpPr/>
+        <p:nvPr/>
+      </p:nvGrpSpPr>
+      <p:grpSpPr>
+        <a:xfrm>
+          <a:off x="0" y="0"/>
+          <a:ext cx="0" cy="0"/>
+          <a:chOff x="0" y="0"/>
+          <a:chExt cx="0" cy="0"/>
+        </a:xfrm>
+      </p:grpSpPr>
+      <p:sp>
+        <p:nvSpPr>
+          <p:cNvPr id="157" name="Google Shape;157;p26"/>
+          <p:cNvSpPr txBox="1">
+            <a:spLocks noGrp="1"/>
+          </p:cNvSpPr>
+          <p:nvPr>
+            <p:ph type="title"/>
+          </p:nvPr>
+        </p:nvSpPr>
+        <p:spPr>
+          <a:prstGeom prst="rect">
+            <a:avLst/>
+          </a:prstGeom>
+          <a:noFill/>
+          <a:ln>
+            <a:noFill/>
+          </a:ln>
+        </p:spPr>
+        <p:txBody>
+          <a:bodyPr spcFirstLastPara="1" wrap="square" lIns="68569" tIns="34275" rIns="68569" bIns="34275" anchor="ctr" anchorCtr="0">
+            <a:noAutofit/>
+          </a:bodyPr>
+          <a:lstStyle/>
+          <a:p>
+            <a:pPr>
+              <a:buSzPts val="3200"/>
+            </a:pPr>
+            <a:r>
+              <a:rPr lang="en-US" b="1" dirty="0">
+                <a:latin typeface="Helvetica Neue"/>
+                <a:ea typeface="Helvetica Neue"/>
+                <a:cs typeface="Helvetica Neue"/>
+                <a:sym typeface="Helvetica Neue"/>
+              </a:rPr>
+              <a:t>Deploying Web Apps – the “Hard(er)” Way</a:t>
+            </a:r>
+            <a:endParaRPr b="1" dirty="0">
+              <a:latin typeface="Helvetica Neue"/>
+              <a:ea typeface="Helvetica Neue"/>
+              <a:cs typeface="Helvetica Neue"/>
+              <a:sym typeface="Helvetica Neue"/>
+            </a:endParaRPr>
+          </a:p>
+        </p:txBody>
+      </p:sp>
+      <p:sp>
+        <p:nvSpPr>
+          <p:cNvPr id="159" name="Google Shape;159;p26"/>
+          <p:cNvSpPr txBox="1">
+            <a:spLocks noGrp="1"/>
+          </p:cNvSpPr>
+          <p:nvPr>
+            <p:ph type="sldNum" idx="12"/>
+          </p:nvPr>
+        </p:nvSpPr>
+        <p:spPr>
+          <a:prstGeom prst="rect">
+            <a:avLst/>
+          </a:prstGeom>
+          <a:noFill/>
+          <a:ln>
+            <a:noFill/>
+          </a:ln>
+        </p:spPr>
+        <p:txBody>
+          <a:bodyPr spcFirstLastPara="1" wrap="square" lIns="68569" tIns="34275" rIns="68569" bIns="34275" anchor="ctr" anchorCtr="0">
+            <a:noAutofit/>
+          </a:bodyPr>
+          <a:lstStyle/>
+          <a:p>
+            <a:fld id="{00000000-1234-1234-1234-123412341234}" type="slidenum">
+              <a:rPr lang="en-US"/>
+              <a:pPr/>
+              <a:t>3</a:t>
+            </a:fld>
+            <a:endParaRPr/>
+          </a:p>
+        </p:txBody>
+      </p:sp>
+      <p:pic>
+        <p:nvPicPr>
+          <p:cNvPr id="1026" name="Picture 2">
+            <a:extLst>
+              <a:ext uri="{FF2B5EF4-FFF2-40B4-BE49-F238E27FC236}">
+                <a16:creationId xmlns:a16="http://schemas.microsoft.com/office/drawing/2014/main" id="{0238A597-89B1-2C92-E6C7-56B588E90D4D}"/>
+              </a:ext>
+            </a:extLst>
+          </p:cNvPr>
+          <p:cNvPicPr>
+            <a:picLocks noChangeAspect="1" noChangeArrowheads="1"/>
+          </p:cNvPicPr>
+          <p:nvPr/>
+        </p:nvPicPr>
+        <p:blipFill>
+          <a:blip r:embed="rId3">
+            <a:extLst>
+              <a:ext uri="{28A0092B-C50C-407E-A947-70E740481C1C}">
+                <a14:useLocalDpi xmlns:a14="http://schemas.microsoft.com/office/drawing/2010/main" val="0"/>
+              </a:ext>
+            </a:extLst>
+          </a:blip>
+          <a:srcRect/>
+          <a:stretch>
+            <a:fillRect/>
+          </a:stretch>
+        </p:blipFill>
+        <p:spPr bwMode="auto">
+          <a:xfrm>
+            <a:off x="2886075" y="1495525"/>
+            <a:ext cx="3371850" cy="2933700"/>
+          </a:xfrm>
+          <a:prstGeom prst="rect">
+            <a:avLst/>
+          </a:prstGeom>
+          <a:noFill/>
+          <a:extLst>
+            <a:ext uri="{909E8E84-426E-40DD-AFC4-6F175D3DCCD1}">
+              <a14:hiddenFill xmlns:a14="http://schemas.microsoft.com/office/drawing/2010/main">
+                <a:solidFill>
+                  <a:srgbClr val="FFFFFF"/>
+                </a:solidFill>
+              </a14:hiddenFill>
+            </a:ext>
+          </a:extLst>
+        </p:spPr>
+      </p:pic>
+      <p:sp>
+        <p:nvSpPr>
+          <p:cNvPr id="8" name="TextBox 7">
+            <a:extLst>
+              <a:ext uri="{FF2B5EF4-FFF2-40B4-BE49-F238E27FC236}">
+                <a16:creationId xmlns:a16="http://schemas.microsoft.com/office/drawing/2014/main" id="{CE63BE20-92BC-AFFE-3B9F-4E7A6CB0BB75}"/>
+              </a:ext>
+            </a:extLst>
+          </p:cNvPr>
+          <p:cNvSpPr txBox="1"/>
+          <p:nvPr/>
+        </p:nvSpPr>
+        <p:spPr>
+          <a:xfrm>
+            <a:off x="6047715" y="1756372"/>
+            <a:ext cx="2625505" cy="1754326"/>
+          </a:xfrm>
+          <a:prstGeom prst="rect">
+            <a:avLst/>
+          </a:prstGeom>
+          <a:noFill/>
+        </p:spPr>
+        <p:txBody>
+          <a:bodyPr wrap="square" rtlCol="0">
+            <a:spAutoFit/>
+          </a:bodyPr>
+          <a:lstStyle/>
+          <a:p>
+            <a:pPr marL="285750" indent="-285750">
+              <a:buFont typeface="Arial" panose="020B0604020202020204" pitchFamily="34" charset="0"/>
+              <a:buChar char="•"/>
+            </a:pPr>
+            <a:r>
+              <a:rPr lang="en-US" sz="1200" dirty="0"/>
+              <a:t>Responsible for management of OS</a:t>
+            </a:r>
+          </a:p>
+          <a:p>
+            <a:pPr marL="285750" indent="-285750">
+              <a:buFont typeface="Arial" panose="020B0604020202020204" pitchFamily="34" charset="0"/>
+              <a:buChar char="•"/>
+            </a:pPr>
+            <a:r>
+              <a:rPr lang="en-US" sz="1200" dirty="0"/>
+              <a:t>Responsible for installation &amp; configuration of a web hosting framework</a:t>
+            </a:r>
+          </a:p>
+          <a:p>
+            <a:pPr marL="285750" indent="-285750">
+              <a:buFont typeface="Arial" panose="020B0604020202020204" pitchFamily="34" charset="0"/>
+              <a:buChar char="•"/>
+            </a:pPr>
+            <a:r>
+              <a:rPr lang="en-US" sz="1200" dirty="0"/>
+              <a:t>Responsible for installation &amp; configuration of a runtime</a:t>
+            </a:r>
+          </a:p>
+          <a:p>
+            <a:pPr marL="285750" indent="-285750">
+              <a:buFont typeface="Arial" panose="020B0604020202020204" pitchFamily="34" charset="0"/>
+              <a:buChar char="•"/>
+            </a:pPr>
+            <a:r>
+              <a:rPr lang="en-US" sz="1200" dirty="0"/>
+              <a:t>Responsible for installation &amp; configuration of the app itself</a:t>
+            </a:r>
+          </a:p>
+        </p:txBody>
+      </p:sp>
+    </p:spTree>
+    <p:extLst>
+      <p:ext uri="{BB962C8B-B14F-4D97-AF65-F5344CB8AC3E}">
+        <p14:creationId xmlns:p14="http://schemas.microsoft.com/office/powerpoint/2010/main" val="1876466358"/>
+      </p:ext>
+    </p:extLst>
+  </p:cSld>
+  <p:clrMapOvr>
+    <a:masterClrMapping/>
+  </p:clrMapOvr>
+</p:sld>
+</file>
+
+<file path=ppt/slides/slide30.xml><?xml version="1.0" encoding="utf-8"?>
+<p:sld xmlns:a="http://schemas.openxmlformats.org/drawingml/2006/main" xmlns:r="http://schemas.openxmlformats.org/officeDocument/2006/relationships" xmlns:p="http://schemas.openxmlformats.org/presentationml/2006/main">
+  <p:cSld>
+    <p:spTree>
+      <p:nvGrpSpPr>
+        <p:cNvPr id="1" name="Shape 156"/>
+        <p:cNvGrpSpPr/>
+        <p:nvPr/>
+      </p:nvGrpSpPr>
+      <p:grpSpPr>
+        <a:xfrm>
+          <a:off x="0" y="0"/>
+          <a:ext cx="0" cy="0"/>
+          <a:chOff x="0" y="0"/>
+          <a:chExt cx="0" cy="0"/>
+        </a:xfrm>
+      </p:grpSpPr>
+      <p:sp>
+        <p:nvSpPr>
+          <p:cNvPr id="157" name="Google Shape;157;p26"/>
+          <p:cNvSpPr txBox="1">
+            <a:spLocks noGrp="1"/>
+          </p:cNvSpPr>
+          <p:nvPr>
+            <p:ph type="title"/>
+          </p:nvPr>
+        </p:nvSpPr>
+        <p:spPr>
+          <a:prstGeom prst="rect">
+            <a:avLst/>
+          </a:prstGeom>
+          <a:noFill/>
+          <a:ln>
+            <a:noFill/>
+          </a:ln>
+        </p:spPr>
+        <p:txBody>
+          <a:bodyPr spcFirstLastPara="1" wrap="square" lIns="68569" tIns="34275" rIns="68569" bIns="34275" anchor="ctr" anchorCtr="0">
+            <a:noAutofit/>
+          </a:bodyPr>
+          <a:lstStyle/>
+          <a:p>
+            <a:pPr>
+              <a:buSzPts val="3200"/>
+            </a:pPr>
+            <a:r>
+              <a:rPr lang="en-US" b="1" dirty="0">
+                <a:latin typeface="Helvetica Neue"/>
+                <a:ea typeface="Helvetica Neue"/>
+                <a:cs typeface="Helvetica Neue"/>
+                <a:sym typeface="Helvetica Neue"/>
+              </a:rPr>
+              <a:t>Deployment Slots – On Swap</a:t>
+            </a:r>
+            <a:endParaRPr b="1" dirty="0">
+              <a:latin typeface="Helvetica Neue"/>
+              <a:ea typeface="Helvetica Neue"/>
+              <a:cs typeface="Helvetica Neue"/>
+              <a:sym typeface="Helvetica Neue"/>
+            </a:endParaRPr>
+          </a:p>
+        </p:txBody>
+      </p:sp>
+      <p:sp>
+        <p:nvSpPr>
+          <p:cNvPr id="159" name="Google Shape;159;p26"/>
+          <p:cNvSpPr txBox="1">
+            <a:spLocks noGrp="1"/>
+          </p:cNvSpPr>
+          <p:nvPr>
+            <p:ph type="sldNum" idx="12"/>
+          </p:nvPr>
+        </p:nvSpPr>
+        <p:spPr>
+          <a:prstGeom prst="rect">
+            <a:avLst/>
+          </a:prstGeom>
+          <a:noFill/>
+          <a:ln>
+            <a:noFill/>
+          </a:ln>
+        </p:spPr>
+        <p:txBody>
+          <a:bodyPr spcFirstLastPara="1" wrap="square" lIns="68569" tIns="34275" rIns="68569" bIns="34275" anchor="ctr" anchorCtr="0">
+            <a:noAutofit/>
+          </a:bodyPr>
+          <a:lstStyle/>
+          <a:p>
+            <a:fld id="{00000000-1234-1234-1234-123412341234}" type="slidenum">
+              <a:rPr lang="en-US"/>
+              <a:pPr/>
+              <a:t>30</a:t>
+            </a:fld>
+            <a:endParaRPr/>
+          </a:p>
+        </p:txBody>
+      </p:sp>
+      <p:pic>
+        <p:nvPicPr>
+          <p:cNvPr id="5" name="Picture 4">
+            <a:extLst>
+              <a:ext uri="{FF2B5EF4-FFF2-40B4-BE49-F238E27FC236}">
+                <a16:creationId xmlns:a16="http://schemas.microsoft.com/office/drawing/2014/main" id="{55706466-2AD6-BB9B-0882-57CD972AB505}"/>
+              </a:ext>
+            </a:extLst>
+          </p:cNvPr>
+          <p:cNvPicPr>
+            <a:picLocks noChangeAspect="1"/>
+          </p:cNvPicPr>
+          <p:nvPr/>
+        </p:nvPicPr>
+        <p:blipFill>
+          <a:blip r:embed="rId3"/>
+          <a:stretch>
+            <a:fillRect/>
+          </a:stretch>
+        </p:blipFill>
+        <p:spPr>
+          <a:xfrm>
+            <a:off x="2321772" y="1333813"/>
+            <a:ext cx="4837155" cy="3110599"/>
+          </a:xfrm>
+          <a:prstGeom prst="rect">
+            <a:avLst/>
+          </a:prstGeom>
+        </p:spPr>
+      </p:pic>
+      <p:sp>
+        <p:nvSpPr>
+          <p:cNvPr id="6" name="TextBox 5">
+            <a:extLst>
+              <a:ext uri="{FF2B5EF4-FFF2-40B4-BE49-F238E27FC236}">
+                <a16:creationId xmlns:a16="http://schemas.microsoft.com/office/drawing/2014/main" id="{909BED0F-B555-D4F2-8F2E-84494EFFE526}"/>
+              </a:ext>
+            </a:extLst>
+          </p:cNvPr>
+          <p:cNvSpPr txBox="1"/>
+          <p:nvPr/>
+        </p:nvSpPr>
+        <p:spPr>
+          <a:xfrm>
+            <a:off x="923453" y="4749851"/>
+            <a:ext cx="7315200" cy="261610"/>
+          </a:xfrm>
+          <a:prstGeom prst="rect">
+            <a:avLst/>
+          </a:prstGeom>
+          <a:noFill/>
+        </p:spPr>
+        <p:txBody>
+          <a:bodyPr wrap="square" rtlCol="0">
+            <a:spAutoFit/>
+          </a:bodyPr>
+          <a:lstStyle/>
+          <a:p>
+            <a:pPr algn="ctr"/>
+            <a:r>
+              <a:rPr lang="en-US" sz="1100" dirty="0"/>
+              <a:t>Source: </a:t>
+            </a:r>
+            <a:r>
+              <a:rPr lang="en-US" sz="1100" dirty="0">
+                <a:hlinkClick r:id="rId4"/>
+              </a:rPr>
+              <a:t>https://docs.microsoft.com/en-us/azure/app-service/deploy-staging-slots</a:t>
+            </a:r>
+            <a:endParaRPr lang="en-US" sz="1100" dirty="0"/>
+          </a:p>
+        </p:txBody>
+      </p:sp>
+    </p:spTree>
+    <p:extLst>
+      <p:ext uri="{BB962C8B-B14F-4D97-AF65-F5344CB8AC3E}">
+        <p14:creationId xmlns:p14="http://schemas.microsoft.com/office/powerpoint/2010/main" val="3575693260"/>
+      </p:ext>
+    </p:extLst>
+  </p:cSld>
+  <p:clrMapOvr>
+    <a:masterClrMapping/>
+  </p:clrMapOvr>
+</p:sld>
+</file>
+
 <file path=ppt/slides/slide31.xml><?xml version="1.0" encoding="utf-8"?>
 <p:sld xmlns:a="http://schemas.openxmlformats.org/drawingml/2006/main" xmlns:r="http://schemas.openxmlformats.org/officeDocument/2006/relationships" xmlns:p="http://schemas.openxmlformats.org/presentationml/2006/main">
   <p:cSld>
@@ -27449,36 +27390,6 @@
           </a:p>
         </p:txBody>
       </p:sp>
-      <p:pic>
-        <p:nvPicPr>
-          <p:cNvPr id="5" name="Picture 4">
-            <a:extLst>
-              <a:ext uri="{FF2B5EF4-FFF2-40B4-BE49-F238E27FC236}">
-                <a16:creationId xmlns:a16="http://schemas.microsoft.com/office/drawing/2014/main" id="{55706466-2AD6-BB9B-0882-57CD972AB505}"/>
-              </a:ext>
-            </a:extLst>
-          </p:cNvPr>
-          <p:cNvPicPr>
-            <a:picLocks noChangeAspect="1"/>
-          </p:cNvPicPr>
-          <p:nvPr/>
-        </p:nvPicPr>
-        <p:blipFill>
-          <a:blip r:embed="rId3"/>
-          <a:stretch>
-            <a:fillRect/>
-          </a:stretch>
-        </p:blipFill>
-        <p:spPr>
-          <a:xfrm>
-            <a:off x="2321772" y="1333813"/>
-            <a:ext cx="4837155" cy="3110599"/>
-          </a:xfrm>
-          <a:prstGeom prst="rect">
-            <a:avLst/>
-          </a:prstGeom>
-        </p:spPr>
-      </p:pic>
       <p:sp>
         <p:nvSpPr>
           <p:cNvPr id="6" name="TextBox 5">
@@ -27514,7 +27425,7 @@
             </a:r>
             <a:r>
               <a:rPr lang="en-US" sz="1100" dirty="0">
-                <a:hlinkClick r:id="rId4"/>
+                <a:hlinkClick r:id="rId3"/>
               </a:rPr>
               <a:t>https://docs.microsoft.com/en-us/azure/app-service/deploy-staging-slots</a:t>
             </a:r>
@@ -27522,10 +27433,40 @@
           </a:p>
         </p:txBody>
       </p:sp>
+      <p:pic>
+        <p:nvPicPr>
+          <p:cNvPr id="3" name="Picture 2">
+            <a:extLst>
+              <a:ext uri="{FF2B5EF4-FFF2-40B4-BE49-F238E27FC236}">
+                <a16:creationId xmlns:a16="http://schemas.microsoft.com/office/drawing/2014/main" id="{F797C96A-6A49-149A-F4A3-0243F6964823}"/>
+              </a:ext>
+            </a:extLst>
+          </p:cNvPr>
+          <p:cNvPicPr>
+            <a:picLocks/>
+          </p:cNvPicPr>
+          <p:nvPr/>
+        </p:nvPicPr>
+        <p:blipFill>
+          <a:blip r:embed="rId4"/>
+          <a:stretch>
+            <a:fillRect/>
+          </a:stretch>
+        </p:blipFill>
+        <p:spPr>
+          <a:xfrm>
+            <a:off x="2322576" y="1335024"/>
+            <a:ext cx="4837176" cy="3108960"/>
+          </a:xfrm>
+          <a:prstGeom prst="rect">
+            <a:avLst/>
+          </a:prstGeom>
+        </p:spPr>
+      </p:pic>
     </p:spTree>
     <p:extLst>
       <p:ext uri="{BB962C8B-B14F-4D97-AF65-F5344CB8AC3E}">
-        <p14:creationId xmlns:p14="http://schemas.microsoft.com/office/powerpoint/2010/main" val="3575693260"/>
+        <p14:creationId xmlns:p14="http://schemas.microsoft.com/office/powerpoint/2010/main" val="2610881122"/>
       </p:ext>
     </p:extLst>
   </p:cSld>
@@ -27600,189 +27541,6 @@
       </p:sp>
       <p:sp>
         <p:nvSpPr>
-          <p:cNvPr id="159" name="Google Shape;159;p26"/>
-          <p:cNvSpPr txBox="1">
-            <a:spLocks noGrp="1"/>
-          </p:cNvSpPr>
-          <p:nvPr>
-            <p:ph type="sldNum" idx="12"/>
-          </p:nvPr>
-        </p:nvSpPr>
-        <p:spPr>
-          <a:prstGeom prst="rect">
-            <a:avLst/>
-          </a:prstGeom>
-          <a:noFill/>
-          <a:ln>
-            <a:noFill/>
-          </a:ln>
-        </p:spPr>
-        <p:txBody>
-          <a:bodyPr spcFirstLastPara="1" wrap="square" lIns="68569" tIns="34275" rIns="68569" bIns="34275" anchor="ctr" anchorCtr="0">
-            <a:noAutofit/>
-          </a:bodyPr>
-          <a:lstStyle/>
-          <a:p>
-            <a:fld id="{00000000-1234-1234-1234-123412341234}" type="slidenum">
-              <a:rPr lang="en-US"/>
-              <a:pPr/>
-              <a:t>32</a:t>
-            </a:fld>
-            <a:endParaRPr/>
-          </a:p>
-        </p:txBody>
-      </p:sp>
-      <p:sp>
-        <p:nvSpPr>
-          <p:cNvPr id="6" name="TextBox 5">
-            <a:extLst>
-              <a:ext uri="{FF2B5EF4-FFF2-40B4-BE49-F238E27FC236}">
-                <a16:creationId xmlns:a16="http://schemas.microsoft.com/office/drawing/2014/main" id="{909BED0F-B555-D4F2-8F2E-84494EFFE526}"/>
-              </a:ext>
-            </a:extLst>
-          </p:cNvPr>
-          <p:cNvSpPr txBox="1"/>
-          <p:nvPr/>
-        </p:nvSpPr>
-        <p:spPr>
-          <a:xfrm>
-            <a:off x="923453" y="4749851"/>
-            <a:ext cx="7315200" cy="261610"/>
-          </a:xfrm>
-          <a:prstGeom prst="rect">
-            <a:avLst/>
-          </a:prstGeom>
-          <a:noFill/>
-        </p:spPr>
-        <p:txBody>
-          <a:bodyPr wrap="square" rtlCol="0">
-            <a:spAutoFit/>
-          </a:bodyPr>
-          <a:lstStyle/>
-          <a:p>
-            <a:pPr algn="ctr"/>
-            <a:r>
-              <a:rPr lang="en-US" sz="1100" dirty="0"/>
-              <a:t>Source: </a:t>
-            </a:r>
-            <a:r>
-              <a:rPr lang="en-US" sz="1100" dirty="0">
-                <a:hlinkClick r:id="rId3"/>
-              </a:rPr>
-              <a:t>https://docs.microsoft.com/en-us/azure/app-service/deploy-staging-slots</a:t>
-            </a:r>
-            <a:endParaRPr lang="en-US" sz="1100" dirty="0"/>
-          </a:p>
-        </p:txBody>
-      </p:sp>
-      <p:pic>
-        <p:nvPicPr>
-          <p:cNvPr id="3" name="Picture 2">
-            <a:extLst>
-              <a:ext uri="{FF2B5EF4-FFF2-40B4-BE49-F238E27FC236}">
-                <a16:creationId xmlns:a16="http://schemas.microsoft.com/office/drawing/2014/main" id="{F797C96A-6A49-149A-F4A3-0243F6964823}"/>
-              </a:ext>
-            </a:extLst>
-          </p:cNvPr>
-          <p:cNvPicPr>
-            <a:picLocks/>
-          </p:cNvPicPr>
-          <p:nvPr/>
-        </p:nvPicPr>
-        <p:blipFill>
-          <a:blip r:embed="rId4"/>
-          <a:stretch>
-            <a:fillRect/>
-          </a:stretch>
-        </p:blipFill>
-        <p:spPr>
-          <a:xfrm>
-            <a:off x="2322576" y="1335024"/>
-            <a:ext cx="4837176" cy="3108960"/>
-          </a:xfrm>
-          <a:prstGeom prst="rect">
-            <a:avLst/>
-          </a:prstGeom>
-        </p:spPr>
-      </p:pic>
-    </p:spTree>
-    <p:extLst>
-      <p:ext uri="{BB962C8B-B14F-4D97-AF65-F5344CB8AC3E}">
-        <p14:creationId xmlns:p14="http://schemas.microsoft.com/office/powerpoint/2010/main" val="2610881122"/>
-      </p:ext>
-    </p:extLst>
-  </p:cSld>
-  <p:clrMapOvr>
-    <a:masterClrMapping/>
-  </p:clrMapOvr>
-</p:sld>
-</file>
-
-<file path=ppt/slides/slide33.xml><?xml version="1.0" encoding="utf-8"?>
-<p:sld xmlns:a="http://schemas.openxmlformats.org/drawingml/2006/main" xmlns:r="http://schemas.openxmlformats.org/officeDocument/2006/relationships" xmlns:p="http://schemas.openxmlformats.org/presentationml/2006/main">
-  <p:cSld>
-    <p:spTree>
-      <p:nvGrpSpPr>
-        <p:cNvPr id="1" name="Shape 156"/>
-        <p:cNvGrpSpPr/>
-        <p:nvPr/>
-      </p:nvGrpSpPr>
-      <p:grpSpPr>
-        <a:xfrm>
-          <a:off x="0" y="0"/>
-          <a:ext cx="0" cy="0"/>
-          <a:chOff x="0" y="0"/>
-          <a:chExt cx="0" cy="0"/>
-        </a:xfrm>
-      </p:grpSpPr>
-      <p:sp>
-        <p:nvSpPr>
-          <p:cNvPr id="157" name="Google Shape;157;p26"/>
-          <p:cNvSpPr txBox="1">
-            <a:spLocks noGrp="1"/>
-          </p:cNvSpPr>
-          <p:nvPr>
-            <p:ph type="title"/>
-          </p:nvPr>
-        </p:nvSpPr>
-        <p:spPr>
-          <a:prstGeom prst="rect">
-            <a:avLst/>
-          </a:prstGeom>
-          <a:noFill/>
-          <a:ln>
-            <a:noFill/>
-          </a:ln>
-        </p:spPr>
-        <p:txBody>
-          <a:bodyPr spcFirstLastPara="1" wrap="square" lIns="68569" tIns="34275" rIns="68569" bIns="34275" anchor="ctr" anchorCtr="0">
-            <a:noAutofit/>
-          </a:bodyPr>
-          <a:lstStyle/>
-          <a:p>
-            <a:pPr>
-              <a:buSzPts val="3200"/>
-            </a:pPr>
-            <a:r>
-              <a:rPr lang="en-US" b="1" dirty="0">
-                <a:latin typeface="Helvetica Neue"/>
-                <a:ea typeface="Helvetica Neue"/>
-                <a:cs typeface="Helvetica Neue"/>
-                <a:sym typeface="Helvetica Neue"/>
-              </a:rPr>
-              <a:t>Deployment Slots – On Swap</a:t>
-            </a:r>
-            <a:endParaRPr b="1" dirty="0">
-              <a:latin typeface="Helvetica Neue"/>
-              <a:ea typeface="Helvetica Neue"/>
-              <a:cs typeface="Helvetica Neue"/>
-              <a:sym typeface="Helvetica Neue"/>
-            </a:endParaRPr>
-          </a:p>
-        </p:txBody>
-      </p:sp>
-      <p:sp>
-        <p:nvSpPr>
           <p:cNvPr id="7" name="Shape 85">
             <a:extLst>
               <a:ext uri="{FF2B5EF4-FFF2-40B4-BE49-F238E27FC236}">
@@ -27825,7 +27583,7 @@
                   </a:schemeClr>
                 </a:solidFill>
               </a:rPr>
-              <a:t>Application settings or connection strings can be configured to be “sticky” to a specific slow (not swapped)</a:t>
+              <a:t>Application settings or connection strings can be configured to be “sticky” to a specific slot (not swapped)</a:t>
             </a:r>
           </a:p>
           <a:p>
@@ -27893,7 +27651,7 @@
             <a:fld id="{00000000-1234-1234-1234-123412341234}" type="slidenum">
               <a:rPr lang="en-US"/>
               <a:pPr/>
-              <a:t>33</a:t>
+              <a:t>32</a:t>
             </a:fld>
             <a:endParaRPr/>
           </a:p>
@@ -28189,7 +27947,7 @@
 </p:sld>
 </file>
 
-<file path=ppt/slides/slide34.xml><?xml version="1.0" encoding="utf-8"?>
+<file path=ppt/slides/slide33.xml><?xml version="1.0" encoding="utf-8"?>
 <p:sld xmlns:a="http://schemas.openxmlformats.org/drawingml/2006/main" xmlns:r="http://schemas.openxmlformats.org/officeDocument/2006/relationships" xmlns:p="http://schemas.openxmlformats.org/presentationml/2006/main">
   <p:cSld>
     <p:spTree>
@@ -28280,7 +28038,7 @@
             <a:fld id="{00000000-1234-1234-1234-123412341234}" type="slidenum">
               <a:rPr lang="en-US"/>
               <a:pPr/>
-              <a:t>34</a:t>
+              <a:t>33</a:t>
             </a:fld>
             <a:endParaRPr/>
           </a:p>
@@ -28299,7 +28057,7 @@
 </p:sld>
 </file>
 
-<file path=ppt/slides/slide35.xml><?xml version="1.0" encoding="utf-8"?>
+<file path=ppt/slides/slide34.xml><?xml version="1.0" encoding="utf-8"?>
 <p:sld xmlns:a="http://schemas.openxmlformats.org/drawingml/2006/main" xmlns:r="http://schemas.openxmlformats.org/officeDocument/2006/relationships" xmlns:p="http://schemas.openxmlformats.org/presentationml/2006/main">
   <p:cSld>
     <p:spTree>
@@ -28376,7 +28134,7 @@
             </a:pPr>
             <a:fld id="{00000000-1234-1234-1234-123412341234}" type="slidenum">
               <a:rPr lang="en" smtClean="0"/>
-              <a:t>35</a:t>
+              <a:t>34</a:t>
             </a:fld>
             <a:endParaRPr lang="en"/>
           </a:p>
@@ -28425,7 +28183,7 @@
 </p:sld>
 </file>
 
-<file path=ppt/slides/slide36.xml><?xml version="1.0" encoding="utf-8"?>
+<file path=ppt/slides/slide35.xml><?xml version="1.0" encoding="utf-8"?>
 <p:sld xmlns:a="http://schemas.openxmlformats.org/drawingml/2006/main" xmlns:r="http://schemas.openxmlformats.org/officeDocument/2006/relationships" xmlns:p="http://schemas.openxmlformats.org/presentationml/2006/main">
   <p:cSld>
     <p:spTree>
@@ -28502,7 +28260,7 @@
             </a:pPr>
             <a:fld id="{00000000-1234-1234-1234-123412341234}" type="slidenum">
               <a:rPr lang="en" smtClean="0"/>
-              <a:t>36</a:t>
+              <a:t>35</a:t>
             </a:fld>
             <a:endParaRPr lang="en"/>
           </a:p>
@@ -28551,7 +28309,7 @@
 </p:sld>
 </file>
 
-<file path=ppt/slides/slide37.xml><?xml version="1.0" encoding="utf-8"?>
+<file path=ppt/slides/slide36.xml><?xml version="1.0" encoding="utf-8"?>
 <p:sld xmlns:a="http://schemas.openxmlformats.org/drawingml/2006/main" xmlns:r="http://schemas.openxmlformats.org/officeDocument/2006/relationships" xmlns:p="http://schemas.openxmlformats.org/presentationml/2006/main">
   <p:cSld>
     <p:spTree>
@@ -28642,7 +28400,7 @@
             <a:fld id="{00000000-1234-1234-1234-123412341234}" type="slidenum">
               <a:rPr lang="en-US"/>
               <a:pPr/>
-              <a:t>37</a:t>
+              <a:t>36</a:t>
             </a:fld>
             <a:endParaRPr/>
           </a:p>
@@ -28661,7 +28419,7 @@
 </p:sld>
 </file>
 
-<file path=ppt/slides/slide38.xml><?xml version="1.0" encoding="utf-8"?>
+<file path=ppt/slides/slide37.xml><?xml version="1.0" encoding="utf-8"?>
 <p:sld xmlns:a="http://schemas.openxmlformats.org/drawingml/2006/main" xmlns:r="http://schemas.openxmlformats.org/officeDocument/2006/relationships" xmlns:p="http://schemas.openxmlformats.org/presentationml/2006/main">
   <p:cSld>
     <p:spTree>
@@ -28738,7 +28496,7 @@
             </a:pPr>
             <a:fld id="{00000000-1234-1234-1234-123412341234}" type="slidenum">
               <a:rPr lang="en" smtClean="0"/>
-              <a:t>38</a:t>
+              <a:t>37</a:t>
             </a:fld>
             <a:endParaRPr lang="en"/>
           </a:p>
@@ -28787,7 +28545,7 @@
 </p:sld>
 </file>
 
-<file path=ppt/slides/slide39.xml><?xml version="1.0" encoding="utf-8"?>
+<file path=ppt/slides/slide38.xml><?xml version="1.0" encoding="utf-8"?>
 <p:sld xmlns:a="http://schemas.openxmlformats.org/drawingml/2006/main" xmlns:r="http://schemas.openxmlformats.org/officeDocument/2006/relationships" xmlns:p="http://schemas.openxmlformats.org/presentationml/2006/main">
   <p:cSld>
     <p:spTree>
@@ -29003,7 +28761,7 @@
             <a:fld id="{00000000-1234-1234-1234-123412341234}" type="slidenum">
               <a:rPr lang="en-US"/>
               <a:pPr/>
-              <a:t>39</a:t>
+              <a:t>38</a:t>
             </a:fld>
             <a:endParaRPr/>
           </a:p>
@@ -29284,6 +29042,116 @@
 </p:sld>
 </file>
 
+<file path=ppt/slides/slide39.xml><?xml version="1.0" encoding="utf-8"?>
+<p:sld xmlns:a="http://schemas.openxmlformats.org/drawingml/2006/main" xmlns:r="http://schemas.openxmlformats.org/officeDocument/2006/relationships" xmlns:p="http://schemas.openxmlformats.org/presentationml/2006/main">
+  <p:cSld>
+    <p:spTree>
+      <p:nvGrpSpPr>
+        <p:cNvPr id="1" name="Shape 156"/>
+        <p:cNvGrpSpPr/>
+        <p:nvPr/>
+      </p:nvGrpSpPr>
+      <p:grpSpPr>
+        <a:xfrm>
+          <a:off x="0" y="0"/>
+          <a:ext cx="0" cy="0"/>
+          <a:chOff x="0" y="0"/>
+          <a:chExt cx="0" cy="0"/>
+        </a:xfrm>
+      </p:grpSpPr>
+      <p:sp>
+        <p:nvSpPr>
+          <p:cNvPr id="157" name="Google Shape;157;p26"/>
+          <p:cNvSpPr txBox="1">
+            <a:spLocks noGrp="1"/>
+          </p:cNvSpPr>
+          <p:nvPr>
+            <p:ph type="title"/>
+          </p:nvPr>
+        </p:nvSpPr>
+        <p:spPr>
+          <a:prstGeom prst="rect">
+            <a:avLst/>
+          </a:prstGeom>
+          <a:noFill/>
+          <a:ln>
+            <a:noFill/>
+          </a:ln>
+        </p:spPr>
+        <p:txBody>
+          <a:bodyPr spcFirstLastPara="1" wrap="square" lIns="68569" tIns="34275" rIns="68569" bIns="34275" anchor="ctr" anchorCtr="0">
+            <a:noAutofit/>
+          </a:bodyPr>
+          <a:lstStyle/>
+          <a:p>
+            <a:pPr>
+              <a:buSzPts val="3200"/>
+            </a:pPr>
+            <a:r>
+              <a:rPr lang="en-US" b="1" dirty="0">
+                <a:latin typeface="Helvetica Neue"/>
+                <a:ea typeface="Helvetica Neue"/>
+                <a:cs typeface="Helvetica Neue"/>
+                <a:sym typeface="Helvetica Neue"/>
+              </a:rPr>
+              <a:t>Demo – Authentication</a:t>
+            </a:r>
+            <a:endParaRPr b="1" dirty="0">
+              <a:latin typeface="Helvetica Neue"/>
+              <a:ea typeface="Helvetica Neue"/>
+              <a:cs typeface="Helvetica Neue"/>
+              <a:sym typeface="Helvetica Neue"/>
+            </a:endParaRPr>
+          </a:p>
+        </p:txBody>
+      </p:sp>
+      <p:sp>
+        <p:nvSpPr>
+          <p:cNvPr id="159" name="Google Shape;159;p26"/>
+          <p:cNvSpPr txBox="1">
+            <a:spLocks noGrp="1"/>
+          </p:cNvSpPr>
+          <p:nvPr>
+            <p:ph type="sldNum" idx="12"/>
+          </p:nvPr>
+        </p:nvSpPr>
+        <p:spPr>
+          <a:prstGeom prst="rect">
+            <a:avLst/>
+          </a:prstGeom>
+          <a:noFill/>
+          <a:ln>
+            <a:noFill/>
+          </a:ln>
+        </p:spPr>
+        <p:txBody>
+          <a:bodyPr spcFirstLastPara="1" wrap="square" lIns="68569" tIns="34275" rIns="68569" bIns="34275" anchor="ctr" anchorCtr="0">
+            <a:noAutofit/>
+          </a:bodyPr>
+          <a:lstStyle/>
+          <a:p>
+            <a:fld id="{00000000-1234-1234-1234-123412341234}" type="slidenum">
+              <a:rPr lang="en-US"/>
+              <a:pPr/>
+              <a:t>39</a:t>
+            </a:fld>
+            <a:endParaRPr/>
+          </a:p>
+        </p:txBody>
+      </p:sp>
+    </p:spTree>
+    <p:extLst>
+      <p:ext uri="{BB962C8B-B14F-4D97-AF65-F5344CB8AC3E}">
+        <p14:creationId xmlns:p14="http://schemas.microsoft.com/office/powerpoint/2010/main" val="2395762272"/>
+      </p:ext>
+    </p:extLst>
+  </p:cSld>
+  <p:clrMapOvr>
+    <a:masterClrMapping/>
+  </p:clrMapOvr>
+</p:sld>
+</file>
+
 <file path=ppt/slides/slide4.xml><?xml version="1.0" encoding="utf-8"?>
 <p:sld xmlns:a="http://schemas.openxmlformats.org/drawingml/2006/main" xmlns:r="http://schemas.openxmlformats.org/officeDocument/2006/relationships" xmlns:p="http://schemas.openxmlformats.org/presentationml/2006/main">
   <p:cSld>
@@ -29638,116 +29506,6 @@
   <p:cSld>
     <p:spTree>
       <p:nvGrpSpPr>
-        <p:cNvPr id="1" name="Shape 156"/>
-        <p:cNvGrpSpPr/>
-        <p:nvPr/>
-      </p:nvGrpSpPr>
-      <p:grpSpPr>
-        <a:xfrm>
-          <a:off x="0" y="0"/>
-          <a:ext cx="0" cy="0"/>
-          <a:chOff x="0" y="0"/>
-          <a:chExt cx="0" cy="0"/>
-        </a:xfrm>
-      </p:grpSpPr>
-      <p:sp>
-        <p:nvSpPr>
-          <p:cNvPr id="157" name="Google Shape;157;p26"/>
-          <p:cNvSpPr txBox="1">
-            <a:spLocks noGrp="1"/>
-          </p:cNvSpPr>
-          <p:nvPr>
-            <p:ph type="title"/>
-          </p:nvPr>
-        </p:nvSpPr>
-        <p:spPr>
-          <a:prstGeom prst="rect">
-            <a:avLst/>
-          </a:prstGeom>
-          <a:noFill/>
-          <a:ln>
-            <a:noFill/>
-          </a:ln>
-        </p:spPr>
-        <p:txBody>
-          <a:bodyPr spcFirstLastPara="1" wrap="square" lIns="68569" tIns="34275" rIns="68569" bIns="34275" anchor="ctr" anchorCtr="0">
-            <a:noAutofit/>
-          </a:bodyPr>
-          <a:lstStyle/>
-          <a:p>
-            <a:pPr>
-              <a:buSzPts val="3200"/>
-            </a:pPr>
-            <a:r>
-              <a:rPr lang="en-US" b="1" dirty="0">
-                <a:latin typeface="Helvetica Neue"/>
-                <a:ea typeface="Helvetica Neue"/>
-                <a:cs typeface="Helvetica Neue"/>
-                <a:sym typeface="Helvetica Neue"/>
-              </a:rPr>
-              <a:t>Demo – Authentication</a:t>
-            </a:r>
-            <a:endParaRPr b="1" dirty="0">
-              <a:latin typeface="Helvetica Neue"/>
-              <a:ea typeface="Helvetica Neue"/>
-              <a:cs typeface="Helvetica Neue"/>
-              <a:sym typeface="Helvetica Neue"/>
-            </a:endParaRPr>
-          </a:p>
-        </p:txBody>
-      </p:sp>
-      <p:sp>
-        <p:nvSpPr>
-          <p:cNvPr id="159" name="Google Shape;159;p26"/>
-          <p:cNvSpPr txBox="1">
-            <a:spLocks noGrp="1"/>
-          </p:cNvSpPr>
-          <p:nvPr>
-            <p:ph type="sldNum" idx="12"/>
-          </p:nvPr>
-        </p:nvSpPr>
-        <p:spPr>
-          <a:prstGeom prst="rect">
-            <a:avLst/>
-          </a:prstGeom>
-          <a:noFill/>
-          <a:ln>
-            <a:noFill/>
-          </a:ln>
-        </p:spPr>
-        <p:txBody>
-          <a:bodyPr spcFirstLastPara="1" wrap="square" lIns="68569" tIns="34275" rIns="68569" bIns="34275" anchor="ctr" anchorCtr="0">
-            <a:noAutofit/>
-          </a:bodyPr>
-          <a:lstStyle/>
-          <a:p>
-            <a:fld id="{00000000-1234-1234-1234-123412341234}" type="slidenum">
-              <a:rPr lang="en-US"/>
-              <a:pPr/>
-              <a:t>40</a:t>
-            </a:fld>
-            <a:endParaRPr/>
-          </a:p>
-        </p:txBody>
-      </p:sp>
-    </p:spTree>
-    <p:extLst>
-      <p:ext uri="{BB962C8B-B14F-4D97-AF65-F5344CB8AC3E}">
-        <p14:creationId xmlns:p14="http://schemas.microsoft.com/office/powerpoint/2010/main" val="2395762272"/>
-      </p:ext>
-    </p:extLst>
-  </p:cSld>
-  <p:clrMapOvr>
-    <a:masterClrMapping/>
-  </p:clrMapOvr>
-</p:sld>
-</file>
-
-<file path=ppt/slides/slide41.xml><?xml version="1.0" encoding="utf-8"?>
-<p:sld xmlns:a="http://schemas.openxmlformats.org/drawingml/2006/main" xmlns:r="http://schemas.openxmlformats.org/officeDocument/2006/relationships" xmlns:p="http://schemas.openxmlformats.org/presentationml/2006/main">
-  <p:cSld>
-    <p:spTree>
-      <p:nvGrpSpPr>
         <p:cNvPr id="1" name=""/>
         <p:cNvGrpSpPr/>
         <p:nvPr/>
@@ -29820,7 +29578,7 @@
             </a:pPr>
             <a:fld id="{00000000-1234-1234-1234-123412341234}" type="slidenum">
               <a:rPr lang="en" smtClean="0"/>
-              <a:t>41</a:t>
+              <a:t>40</a:t>
             </a:fld>
             <a:endParaRPr lang="en"/>
           </a:p>
@@ -29869,7 +29627,7 @@
 </p:sld>
 </file>
 
-<file path=ppt/slides/slide42.xml><?xml version="1.0" encoding="utf-8"?>
+<file path=ppt/slides/slide41.xml><?xml version="1.0" encoding="utf-8"?>
 <p:sld xmlns:a="http://schemas.openxmlformats.org/drawingml/2006/main" xmlns:r="http://schemas.openxmlformats.org/officeDocument/2006/relationships" xmlns:p="http://schemas.openxmlformats.org/presentationml/2006/main">
   <p:cSld>
     <p:spTree>
@@ -29946,7 +29704,7 @@
             </a:pPr>
             <a:fld id="{00000000-1234-1234-1234-123412341234}" type="slidenum">
               <a:rPr lang="en" smtClean="0"/>
-              <a:t>42</a:t>
+              <a:t>41</a:t>
             </a:fld>
             <a:endParaRPr lang="en"/>
           </a:p>
@@ -29995,7 +29753,7 @@
 </p:sld>
 </file>
 
-<file path=ppt/slides/slide43.xml><?xml version="1.0" encoding="utf-8"?>
+<file path=ppt/slides/slide42.xml><?xml version="1.0" encoding="utf-8"?>
 <p:sld xmlns:a="http://schemas.openxmlformats.org/drawingml/2006/main" xmlns:r="http://schemas.openxmlformats.org/officeDocument/2006/relationships" xmlns:p="http://schemas.openxmlformats.org/presentationml/2006/main">
   <p:cSld>
     <p:spTree>
@@ -30194,7 +29952,7 @@
             <a:fld id="{00000000-1234-1234-1234-123412341234}" type="slidenum">
               <a:rPr lang="en-US"/>
               <a:pPr/>
-              <a:t>43</a:t>
+              <a:t>42</a:t>
             </a:fld>
             <a:endParaRPr/>
           </a:p>
@@ -30475,7 +30233,7 @@
 </p:sld>
 </file>
 
-<file path=ppt/slides/slide44.xml><?xml version="1.0" encoding="utf-8"?>
+<file path=ppt/slides/slide43.xml><?xml version="1.0" encoding="utf-8"?>
 <p:sld xmlns:a="http://schemas.openxmlformats.org/drawingml/2006/main" xmlns:r="http://schemas.openxmlformats.org/officeDocument/2006/relationships" xmlns:p="http://schemas.openxmlformats.org/presentationml/2006/main">
   <p:cSld>
     <p:spTree>
@@ -30566,7 +30324,7 @@
             <a:fld id="{00000000-1234-1234-1234-123412341234}" type="slidenum">
               <a:rPr lang="en-US"/>
               <a:pPr/>
-              <a:t>44</a:t>
+              <a:t>43</a:t>
             </a:fld>
             <a:endParaRPr/>
           </a:p>
@@ -30585,7 +30343,7 @@
 </p:sld>
 </file>
 
-<file path=ppt/slides/slide45.xml><?xml version="1.0" encoding="utf-8"?>
+<file path=ppt/slides/slide44.xml><?xml version="1.0" encoding="utf-8"?>
 <p:sld xmlns:a="http://schemas.openxmlformats.org/drawingml/2006/main" xmlns:r="http://schemas.openxmlformats.org/officeDocument/2006/relationships" xmlns:p="http://schemas.openxmlformats.org/presentationml/2006/main">
   <p:cSld>
     <p:spTree>
@@ -30662,7 +30420,7 @@
             </a:pPr>
             <a:fld id="{00000000-1234-1234-1234-123412341234}" type="slidenum">
               <a:rPr lang="en" smtClean="0"/>
-              <a:t>45</a:t>
+              <a:t>44</a:t>
             </a:fld>
             <a:endParaRPr lang="en"/>
           </a:p>
@@ -30711,7 +30469,7 @@
 </p:sld>
 </file>
 
-<file path=ppt/slides/slide46.xml><?xml version="1.0" encoding="utf-8"?>
+<file path=ppt/slides/slide45.xml><?xml version="1.0" encoding="utf-8"?>
 <p:sld xmlns:a="http://schemas.openxmlformats.org/drawingml/2006/main" xmlns:r="http://schemas.openxmlformats.org/officeDocument/2006/relationships" xmlns:p="http://schemas.openxmlformats.org/presentationml/2006/main">
   <p:cSld>
     <p:spTree>
@@ -30910,7 +30668,7 @@
             <a:fld id="{00000000-1234-1234-1234-123412341234}" type="slidenum">
               <a:rPr lang="en-US"/>
               <a:pPr/>
-              <a:t>46</a:t>
+              <a:t>45</a:t>
             </a:fld>
             <a:endParaRPr/>
           </a:p>
@@ -31191,7 +30949,7 @@
 </p:sld>
 </file>
 
-<file path=ppt/slides/slide47.xml><?xml version="1.0" encoding="utf-8"?>
+<file path=ppt/slides/slide46.xml><?xml version="1.0" encoding="utf-8"?>
 <p:sld xmlns:a="http://schemas.openxmlformats.org/drawingml/2006/main" xmlns:r="http://schemas.openxmlformats.org/officeDocument/2006/relationships" xmlns:p="http://schemas.openxmlformats.org/presentationml/2006/main">
   <p:cSld>
     <p:spTree>
@@ -31282,7 +31040,7 @@
             <a:fld id="{00000000-1234-1234-1234-123412341234}" type="slidenum">
               <a:rPr lang="en-US"/>
               <a:pPr/>
-              <a:t>47</a:t>
+              <a:t>46</a:t>
             </a:fld>
             <a:endParaRPr/>
           </a:p>
@@ -31301,7 +31059,7 @@
 </p:sld>
 </file>
 
-<file path=ppt/slides/slide48.xml><?xml version="1.0" encoding="utf-8"?>
+<file path=ppt/slides/slide47.xml><?xml version="1.0" encoding="utf-8"?>
 <p:sld xmlns:a="http://schemas.openxmlformats.org/drawingml/2006/main" xmlns:r="http://schemas.openxmlformats.org/officeDocument/2006/relationships" xmlns:p="http://schemas.openxmlformats.org/presentationml/2006/main">
   <p:cSld>
     <p:spTree>
@@ -31378,7 +31136,7 @@
             </a:pPr>
             <a:fld id="{00000000-1234-1234-1234-123412341234}" type="slidenum">
               <a:rPr lang="en" smtClean="0"/>
-              <a:t>48</a:t>
+              <a:t>47</a:t>
             </a:fld>
             <a:endParaRPr lang="en"/>
           </a:p>
@@ -31418,6 +31176,116 @@
     <p:extLst>
       <p:ext uri="{BB962C8B-B14F-4D97-AF65-F5344CB8AC3E}">
         <p14:creationId xmlns:p14="http://schemas.microsoft.com/office/powerpoint/2010/main" val="2781965064"/>
+      </p:ext>
+    </p:extLst>
+  </p:cSld>
+  <p:clrMapOvr>
+    <a:masterClrMapping/>
+  </p:clrMapOvr>
+</p:sld>
+</file>
+
+<file path=ppt/slides/slide48.xml><?xml version="1.0" encoding="utf-8"?>
+<p:sld xmlns:a="http://schemas.openxmlformats.org/drawingml/2006/main" xmlns:r="http://schemas.openxmlformats.org/officeDocument/2006/relationships" xmlns:p="http://schemas.openxmlformats.org/presentationml/2006/main">
+  <p:cSld>
+    <p:spTree>
+      <p:nvGrpSpPr>
+        <p:cNvPr id="1" name="Shape 156"/>
+        <p:cNvGrpSpPr/>
+        <p:nvPr/>
+      </p:nvGrpSpPr>
+      <p:grpSpPr>
+        <a:xfrm>
+          <a:off x="0" y="0"/>
+          <a:ext cx="0" cy="0"/>
+          <a:chOff x="0" y="0"/>
+          <a:chExt cx="0" cy="0"/>
+        </a:xfrm>
+      </p:grpSpPr>
+      <p:sp>
+        <p:nvSpPr>
+          <p:cNvPr id="157" name="Google Shape;157;p26"/>
+          <p:cNvSpPr txBox="1">
+            <a:spLocks noGrp="1"/>
+          </p:cNvSpPr>
+          <p:nvPr>
+            <p:ph type="title"/>
+          </p:nvPr>
+        </p:nvSpPr>
+        <p:spPr>
+          <a:prstGeom prst="rect">
+            <a:avLst/>
+          </a:prstGeom>
+          <a:noFill/>
+          <a:ln>
+            <a:noFill/>
+          </a:ln>
+        </p:spPr>
+        <p:txBody>
+          <a:bodyPr spcFirstLastPara="1" wrap="square" lIns="68569" tIns="34275" rIns="68569" bIns="34275" anchor="ctr" anchorCtr="0">
+            <a:noAutofit/>
+          </a:bodyPr>
+          <a:lstStyle/>
+          <a:p>
+            <a:pPr>
+              <a:buSzPts val="3200"/>
+            </a:pPr>
+            <a:r>
+              <a:rPr lang="en-US" b="1" dirty="0">
+                <a:latin typeface="Helvetica Neue"/>
+                <a:ea typeface="Helvetica Neue"/>
+                <a:cs typeface="Helvetica Neue"/>
+                <a:sym typeface="Helvetica Neue"/>
+              </a:rPr>
+              <a:t>Demo – Static Site</a:t>
+            </a:r>
+            <a:endParaRPr b="1" dirty="0">
+              <a:latin typeface="Helvetica Neue"/>
+              <a:ea typeface="Helvetica Neue"/>
+              <a:cs typeface="Helvetica Neue"/>
+              <a:sym typeface="Helvetica Neue"/>
+            </a:endParaRPr>
+          </a:p>
+        </p:txBody>
+      </p:sp>
+      <p:sp>
+        <p:nvSpPr>
+          <p:cNvPr id="159" name="Google Shape;159;p26"/>
+          <p:cNvSpPr txBox="1">
+            <a:spLocks noGrp="1"/>
+          </p:cNvSpPr>
+          <p:nvPr>
+            <p:ph type="sldNum" idx="12"/>
+          </p:nvPr>
+        </p:nvSpPr>
+        <p:spPr>
+          <a:prstGeom prst="rect">
+            <a:avLst/>
+          </a:prstGeom>
+          <a:noFill/>
+          <a:ln>
+            <a:noFill/>
+          </a:ln>
+        </p:spPr>
+        <p:txBody>
+          <a:bodyPr spcFirstLastPara="1" wrap="square" lIns="68569" tIns="34275" rIns="68569" bIns="34275" anchor="ctr" anchorCtr="0">
+            <a:noAutofit/>
+          </a:bodyPr>
+          <a:lstStyle/>
+          <a:p>
+            <a:fld id="{00000000-1234-1234-1234-123412341234}" type="slidenum">
+              <a:rPr lang="en-US"/>
+              <a:pPr/>
+              <a:t>48</a:t>
+            </a:fld>
+            <a:endParaRPr/>
+          </a:p>
+        </p:txBody>
+      </p:sp>
+    </p:spTree>
+    <p:extLst>
+      <p:ext uri="{BB962C8B-B14F-4D97-AF65-F5344CB8AC3E}">
+        <p14:creationId xmlns:p14="http://schemas.microsoft.com/office/powerpoint/2010/main" val="1473065512"/>
       </p:ext>
     </p:extLst>
   </p:cSld>
@@ -31479,7 +31347,7 @@
                 <a:cs typeface="Helvetica Neue"/>
                 <a:sym typeface="Helvetica Neue"/>
               </a:rPr>
-              <a:t>Demo – Static Site</a:t>
+              <a:t>Demo – Container App</a:t>
             </a:r>
             <a:endParaRPr b="1" dirty="0">
               <a:latin typeface="Helvetica Neue"/>
@@ -31527,7 +31395,7 @@
     </p:spTree>
     <p:extLst>
       <p:ext uri="{BB962C8B-B14F-4D97-AF65-F5344CB8AC3E}">
-        <p14:creationId xmlns:p14="http://schemas.microsoft.com/office/powerpoint/2010/main" val="1473065512"/>
+        <p14:creationId xmlns:p14="http://schemas.microsoft.com/office/powerpoint/2010/main" val="628605546"/>
       </p:ext>
     </p:extLst>
   </p:cSld>
@@ -31647,7 +31515,7 @@
                 <a:cs typeface="Helvetica Neue"/>
                 <a:sym typeface="Helvetica Neue"/>
               </a:rPr>
-              <a:t>Demo – Container App</a:t>
+              <a:t>Demo – Java Deployment to App Service</a:t>
             </a:r>
             <a:endParaRPr b="1" dirty="0">
               <a:latin typeface="Helvetica Neue"/>
@@ -31687,116 +31555,6 @@
               <a:rPr lang="en-US"/>
               <a:pPr/>
               <a:t>50</a:t>
-            </a:fld>
-            <a:endParaRPr/>
-          </a:p>
-        </p:txBody>
-      </p:sp>
-    </p:spTree>
-    <p:extLst>
-      <p:ext uri="{BB962C8B-B14F-4D97-AF65-F5344CB8AC3E}">
-        <p14:creationId xmlns:p14="http://schemas.microsoft.com/office/powerpoint/2010/main" val="628605546"/>
-      </p:ext>
-    </p:extLst>
-  </p:cSld>
-  <p:clrMapOvr>
-    <a:masterClrMapping/>
-  </p:clrMapOvr>
-</p:sld>
-</file>
-
-<file path=ppt/slides/slide51.xml><?xml version="1.0" encoding="utf-8"?>
-<p:sld xmlns:a="http://schemas.openxmlformats.org/drawingml/2006/main" xmlns:r="http://schemas.openxmlformats.org/officeDocument/2006/relationships" xmlns:p="http://schemas.openxmlformats.org/presentationml/2006/main">
-  <p:cSld>
-    <p:spTree>
-      <p:nvGrpSpPr>
-        <p:cNvPr id="1" name="Shape 156"/>
-        <p:cNvGrpSpPr/>
-        <p:nvPr/>
-      </p:nvGrpSpPr>
-      <p:grpSpPr>
-        <a:xfrm>
-          <a:off x="0" y="0"/>
-          <a:ext cx="0" cy="0"/>
-          <a:chOff x="0" y="0"/>
-          <a:chExt cx="0" cy="0"/>
-        </a:xfrm>
-      </p:grpSpPr>
-      <p:sp>
-        <p:nvSpPr>
-          <p:cNvPr id="157" name="Google Shape;157;p26"/>
-          <p:cNvSpPr txBox="1">
-            <a:spLocks noGrp="1"/>
-          </p:cNvSpPr>
-          <p:nvPr>
-            <p:ph type="title"/>
-          </p:nvPr>
-        </p:nvSpPr>
-        <p:spPr>
-          <a:prstGeom prst="rect">
-            <a:avLst/>
-          </a:prstGeom>
-          <a:noFill/>
-          <a:ln>
-            <a:noFill/>
-          </a:ln>
-        </p:spPr>
-        <p:txBody>
-          <a:bodyPr spcFirstLastPara="1" wrap="square" lIns="68569" tIns="34275" rIns="68569" bIns="34275" anchor="ctr" anchorCtr="0">
-            <a:noAutofit/>
-          </a:bodyPr>
-          <a:lstStyle/>
-          <a:p>
-            <a:pPr>
-              <a:buSzPts val="3200"/>
-            </a:pPr>
-            <a:r>
-              <a:rPr lang="en-US" b="1" dirty="0">
-                <a:latin typeface="Helvetica Neue"/>
-                <a:ea typeface="Helvetica Neue"/>
-                <a:cs typeface="Helvetica Neue"/>
-                <a:sym typeface="Helvetica Neue"/>
-              </a:rPr>
-              <a:t>Lab – Java Deployment to App Service</a:t>
-            </a:r>
-            <a:endParaRPr b="1" dirty="0">
-              <a:latin typeface="Helvetica Neue"/>
-              <a:ea typeface="Helvetica Neue"/>
-              <a:cs typeface="Helvetica Neue"/>
-              <a:sym typeface="Helvetica Neue"/>
-            </a:endParaRPr>
-          </a:p>
-        </p:txBody>
-      </p:sp>
-      <p:sp>
-        <p:nvSpPr>
-          <p:cNvPr id="159" name="Google Shape;159;p26"/>
-          <p:cNvSpPr txBox="1">
-            <a:spLocks noGrp="1"/>
-          </p:cNvSpPr>
-          <p:nvPr>
-            <p:ph type="sldNum" idx="12"/>
-          </p:nvPr>
-        </p:nvSpPr>
-        <p:spPr>
-          <a:prstGeom prst="rect">
-            <a:avLst/>
-          </a:prstGeom>
-          <a:noFill/>
-          <a:ln>
-            <a:noFill/>
-          </a:ln>
-        </p:spPr>
-        <p:txBody>
-          <a:bodyPr spcFirstLastPara="1" wrap="square" lIns="68569" tIns="34275" rIns="68569" bIns="34275" anchor="ctr" anchorCtr="0">
-            <a:noAutofit/>
-          </a:bodyPr>
-          <a:lstStyle/>
-          <a:p>
-            <a:fld id="{00000000-1234-1234-1234-123412341234}" type="slidenum">
-              <a:rPr lang="en-US"/>
-              <a:pPr/>
-              <a:t>51</a:t>
             </a:fld>
             <a:endParaRPr/>
           </a:p>
@@ -31854,7 +31612,7 @@
 </p:sld>
 </file>
 
-<file path=ppt/slides/slide52.xml><?xml version="1.0" encoding="utf-8"?>
+<file path=ppt/slides/slide51.xml><?xml version="1.0" encoding="utf-8"?>
 <p:sld xmlns:a="http://schemas.openxmlformats.org/drawingml/2006/main" xmlns:r="http://schemas.openxmlformats.org/officeDocument/2006/relationships" xmlns:p="http://schemas.openxmlformats.org/presentationml/2006/main">
   <p:cSld>
     <p:spTree>
